--- a/Савин.pptx
+++ b/Савин.pptx
@@ -109,6 +109,11 @@
       </a:defRPr>
     </a:lvl9pPr>
   </p:defaultTextStyle>
+  <p:extLst>
+    <p:ext uri="{EFAFB233-063F-42B5-8137-9DF3F51BA10A}">
+      <p15:sldGuideLst xmlns:p15="http://schemas.microsoft.com/office/powerpoint/2012/main"/>
+    </p:ext>
+  </p:extLst>
 </p:presentation>
 </file>
 
@@ -301,13 +306,13 @@
   <p:clrMapOvr>
     <a:masterClrMapping/>
   </p:clrMapOvr>
-  <mc:AlternateContent xmlns:mc="http://schemas.openxmlformats.org/markup-compatibility/2006">
-    <mc:Choice xmlns:p14="http://schemas.microsoft.com/office/powerpoint/2010/main" Requires="p14">
+  <mc:AlternateContent xmlns:mc="http://schemas.openxmlformats.org/markup-compatibility/2006" xmlns:p14="http://schemas.microsoft.com/office/powerpoint/2010/main">
+    <mc:Choice Requires="p14">
       <p:transition spd="med" p14:dur="700">
         <p:fade/>
       </p:transition>
     </mc:Choice>
-    <mc:Fallback>
+    <mc:Fallback xmlns="">
       <p:transition spd="med">
         <p:fade/>
       </p:transition>
@@ -483,13 +488,13 @@
   <p:clrMapOvr>
     <a:masterClrMapping/>
   </p:clrMapOvr>
-  <mc:AlternateContent xmlns:mc="http://schemas.openxmlformats.org/markup-compatibility/2006">
-    <mc:Choice xmlns:p14="http://schemas.microsoft.com/office/powerpoint/2010/main" Requires="p14">
+  <mc:AlternateContent xmlns:mc="http://schemas.openxmlformats.org/markup-compatibility/2006" xmlns:p14="http://schemas.microsoft.com/office/powerpoint/2010/main">
+    <mc:Choice Requires="p14">
       <p:transition spd="med" p14:dur="700">
         <p:fade/>
       </p:transition>
     </mc:Choice>
-    <mc:Fallback>
+    <mc:Fallback xmlns="">
       <p:transition spd="med">
         <p:fade/>
       </p:transition>
@@ -675,13 +680,13 @@
   <p:clrMapOvr>
     <a:masterClrMapping/>
   </p:clrMapOvr>
-  <mc:AlternateContent xmlns:mc="http://schemas.openxmlformats.org/markup-compatibility/2006">
-    <mc:Choice xmlns:p14="http://schemas.microsoft.com/office/powerpoint/2010/main" Requires="p14">
+  <mc:AlternateContent xmlns:mc="http://schemas.openxmlformats.org/markup-compatibility/2006" xmlns:p14="http://schemas.microsoft.com/office/powerpoint/2010/main">
+    <mc:Choice Requires="p14">
       <p:transition spd="med" p14:dur="700">
         <p:fade/>
       </p:transition>
     </mc:Choice>
-    <mc:Fallback>
+    <mc:Fallback xmlns="">
       <p:transition spd="med">
         <p:fade/>
       </p:transition>
@@ -857,13 +862,13 @@
   <p:clrMapOvr>
     <a:masterClrMapping/>
   </p:clrMapOvr>
-  <mc:AlternateContent xmlns:mc="http://schemas.openxmlformats.org/markup-compatibility/2006">
-    <mc:Choice xmlns:p14="http://schemas.microsoft.com/office/powerpoint/2010/main" Requires="p14">
+  <mc:AlternateContent xmlns:mc="http://schemas.openxmlformats.org/markup-compatibility/2006" xmlns:p14="http://schemas.microsoft.com/office/powerpoint/2010/main">
+    <mc:Choice Requires="p14">
       <p:transition spd="med" p14:dur="700">
         <p:fade/>
       </p:transition>
     </mc:Choice>
-    <mc:Fallback>
+    <mc:Fallback xmlns="">
       <p:transition spd="med">
         <p:fade/>
       </p:transition>
@@ -1115,13 +1120,13 @@
   <p:clrMapOvr>
     <a:masterClrMapping/>
   </p:clrMapOvr>
-  <mc:AlternateContent xmlns:mc="http://schemas.openxmlformats.org/markup-compatibility/2006">
-    <mc:Choice xmlns:p14="http://schemas.microsoft.com/office/powerpoint/2010/main" Requires="p14">
+  <mc:AlternateContent xmlns:mc="http://schemas.openxmlformats.org/markup-compatibility/2006" xmlns:p14="http://schemas.microsoft.com/office/powerpoint/2010/main">
+    <mc:Choice Requires="p14">
       <p:transition spd="med" p14:dur="700">
         <p:fade/>
       </p:transition>
     </mc:Choice>
-    <mc:Fallback>
+    <mc:Fallback xmlns="">
       <p:transition spd="med">
         <p:fade/>
       </p:transition>
@@ -1359,13 +1364,13 @@
   <p:clrMapOvr>
     <a:masterClrMapping/>
   </p:clrMapOvr>
-  <mc:AlternateContent xmlns:mc="http://schemas.openxmlformats.org/markup-compatibility/2006">
-    <mc:Choice xmlns:p14="http://schemas.microsoft.com/office/powerpoint/2010/main" Requires="p14">
+  <mc:AlternateContent xmlns:mc="http://schemas.openxmlformats.org/markup-compatibility/2006" xmlns:p14="http://schemas.microsoft.com/office/powerpoint/2010/main">
+    <mc:Choice Requires="p14">
       <p:transition spd="med" p14:dur="700">
         <p:fade/>
       </p:transition>
     </mc:Choice>
-    <mc:Fallback>
+    <mc:Fallback xmlns="">
       <p:transition spd="med">
         <p:fade/>
       </p:transition>
@@ -1738,13 +1743,13 @@
   <p:clrMapOvr>
     <a:masterClrMapping/>
   </p:clrMapOvr>
-  <mc:AlternateContent xmlns:mc="http://schemas.openxmlformats.org/markup-compatibility/2006">
-    <mc:Choice xmlns:p14="http://schemas.microsoft.com/office/powerpoint/2010/main" Requires="p14">
+  <mc:AlternateContent xmlns:mc="http://schemas.openxmlformats.org/markup-compatibility/2006" xmlns:p14="http://schemas.microsoft.com/office/powerpoint/2010/main">
+    <mc:Choice Requires="p14">
       <p:transition spd="med" p14:dur="700">
         <p:fade/>
       </p:transition>
     </mc:Choice>
-    <mc:Fallback>
+    <mc:Fallback xmlns="">
       <p:transition spd="med">
         <p:fade/>
       </p:transition>
@@ -1868,13 +1873,13 @@
   <p:clrMapOvr>
     <a:masterClrMapping/>
   </p:clrMapOvr>
-  <mc:AlternateContent xmlns:mc="http://schemas.openxmlformats.org/markup-compatibility/2006">
-    <mc:Choice xmlns:p14="http://schemas.microsoft.com/office/powerpoint/2010/main" Requires="p14">
+  <mc:AlternateContent xmlns:mc="http://schemas.openxmlformats.org/markup-compatibility/2006" xmlns:p14="http://schemas.microsoft.com/office/powerpoint/2010/main">
+    <mc:Choice Requires="p14">
       <p:transition spd="med" p14:dur="700">
         <p:fade/>
       </p:transition>
     </mc:Choice>
-    <mc:Fallback>
+    <mc:Fallback xmlns="">
       <p:transition spd="med">
         <p:fade/>
       </p:transition>
@@ -1975,13 +1980,13 @@
   <p:clrMapOvr>
     <a:masterClrMapping/>
   </p:clrMapOvr>
-  <mc:AlternateContent xmlns:mc="http://schemas.openxmlformats.org/markup-compatibility/2006">
-    <mc:Choice xmlns:p14="http://schemas.microsoft.com/office/powerpoint/2010/main" Requires="p14">
+  <mc:AlternateContent xmlns:mc="http://schemas.openxmlformats.org/markup-compatibility/2006" xmlns:p14="http://schemas.microsoft.com/office/powerpoint/2010/main">
+    <mc:Choice Requires="p14">
       <p:transition spd="med" p14:dur="700">
         <p:fade/>
       </p:transition>
     </mc:Choice>
-    <mc:Fallback>
+    <mc:Fallback xmlns="">
       <p:transition spd="med">
         <p:fade/>
       </p:transition>
@@ -2264,13 +2269,13 @@
   <p:clrMapOvr>
     <a:masterClrMapping/>
   </p:clrMapOvr>
-  <mc:AlternateContent xmlns:mc="http://schemas.openxmlformats.org/markup-compatibility/2006">
-    <mc:Choice xmlns:p14="http://schemas.microsoft.com/office/powerpoint/2010/main" Requires="p14">
+  <mc:AlternateContent xmlns:mc="http://schemas.openxmlformats.org/markup-compatibility/2006" xmlns:p14="http://schemas.microsoft.com/office/powerpoint/2010/main">
+    <mc:Choice Requires="p14">
       <p:transition spd="med" p14:dur="700">
         <p:fade/>
       </p:transition>
     </mc:Choice>
-    <mc:Fallback>
+    <mc:Fallback xmlns="">
       <p:transition spd="med">
         <p:fade/>
       </p:transition>
@@ -2529,13 +2534,13 @@
   <p:clrMapOvr>
     <a:masterClrMapping/>
   </p:clrMapOvr>
-  <mc:AlternateContent xmlns:mc="http://schemas.openxmlformats.org/markup-compatibility/2006">
-    <mc:Choice xmlns:p14="http://schemas.microsoft.com/office/powerpoint/2010/main" Requires="p14">
+  <mc:AlternateContent xmlns:mc="http://schemas.openxmlformats.org/markup-compatibility/2006" xmlns:p14="http://schemas.microsoft.com/office/powerpoint/2010/main">
+    <mc:Choice Requires="p14">
       <p:transition spd="med" p14:dur="700">
         <p:fade/>
       </p:transition>
     </mc:Choice>
-    <mc:Fallback>
+    <mc:Fallback xmlns="">
       <p:transition spd="med">
         <p:fade/>
       </p:transition>
@@ -2801,13 +2806,13 @@
     <p:sldLayoutId id="2147483658" r:id="rId10"/>
     <p:sldLayoutId id="2147483659" r:id="rId11"/>
   </p:sldLayoutIdLst>
-  <mc:AlternateContent xmlns:mc="http://schemas.openxmlformats.org/markup-compatibility/2006">
-    <mc:Choice xmlns:p14="http://schemas.microsoft.com/office/powerpoint/2010/main" Requires="p14">
+  <mc:AlternateContent xmlns:mc="http://schemas.openxmlformats.org/markup-compatibility/2006" xmlns:p14="http://schemas.microsoft.com/office/powerpoint/2010/main">
+    <mc:Choice Requires="p14">
       <p:transition spd="med" p14:dur="700">
         <p:fade/>
       </p:transition>
     </mc:Choice>
-    <mc:Fallback>
+    <mc:Fallback xmlns="">
       <p:transition spd="med">
         <p:fade/>
       </p:transition>
@@ -3191,13 +3196,13 @@
   <p:clrMapOvr>
     <a:masterClrMapping/>
   </p:clrMapOvr>
-  <mc:AlternateContent xmlns:mc="http://schemas.openxmlformats.org/markup-compatibility/2006">
-    <mc:Choice xmlns:p14="http://schemas.microsoft.com/office/powerpoint/2010/main" Requires="p14">
+  <mc:AlternateContent xmlns:mc="http://schemas.openxmlformats.org/markup-compatibility/2006" xmlns:p14="http://schemas.microsoft.com/office/powerpoint/2010/main">
+    <mc:Choice Requires="p14">
       <p:transition spd="med" p14:dur="700">
         <p:fade/>
       </p:transition>
     </mc:Choice>
-    <mc:Fallback>
+    <mc:Fallback xmlns="">
       <p:transition spd="med">
         <p:fade/>
       </p:transition>
@@ -3354,18 +3359,7 @@
                 </a:solidFill>
                 <a:latin typeface="Comic Sans MS" panose="030F0702030302020204" pitchFamily="66" charset="0"/>
               </a:rPr>
-              <a:t>т</a:t>
-            </a:r>
-            <a:r>
-              <a:rPr lang="ru-RU" dirty="0" err="1" smtClean="0">
-                <a:solidFill>
-                  <a:schemeClr val="bg1">
-                    <a:lumMod val="85000"/>
-                  </a:schemeClr>
-                </a:solidFill>
-                <a:latin typeface="Comic Sans MS" panose="030F0702030302020204" pitchFamily="66" charset="0"/>
-              </a:rPr>
-              <a:t>естировщик</a:t>
+              <a:t>тестировщик</a:t>
             </a:r>
             <a:endParaRPr lang="ru-RU" dirty="0" smtClean="0">
               <a:solidFill>
@@ -3455,13 +3449,13 @@
   <p:clrMapOvr>
     <a:masterClrMapping/>
   </p:clrMapOvr>
-  <mc:AlternateContent xmlns:mc="http://schemas.openxmlformats.org/markup-compatibility/2006">
-    <mc:Choice xmlns:p14="http://schemas.microsoft.com/office/powerpoint/2010/main" Requires="p14">
+  <mc:AlternateContent xmlns:mc="http://schemas.openxmlformats.org/markup-compatibility/2006" xmlns:p14="http://schemas.microsoft.com/office/powerpoint/2010/main">
+    <mc:Choice Requires="p14">
       <p:transition spd="med" p14:dur="700">
         <p:fade/>
       </p:transition>
     </mc:Choice>
-    <mc:Fallback>
+    <mc:Fallback xmlns="">
       <p:transition spd="med">
         <p:fade/>
       </p:transition>
@@ -3525,7 +3519,7 @@
           <a:solidFill>
             <a:schemeClr val="bg1">
               <a:lumMod val="65000"/>
-              <a:alpha val="27000"/>
+              <a:alpha val="33000"/>
             </a:schemeClr>
           </a:solidFill>
           <a:ln>
@@ -3633,7 +3627,7 @@
             <a:r>
               <a:rPr lang="ru-RU" dirty="0" err="1" smtClean="0">
                 <a:solidFill>
-                  <a:schemeClr val="accent1">
+                  <a:schemeClr val="accent6">
                     <a:lumMod val="75000"/>
                   </a:schemeClr>
                 </a:solidFill>
@@ -3644,7 +3638,7 @@
             <a:r>
               <a:rPr lang="ru-RU" dirty="0" smtClean="0">
                 <a:solidFill>
-                  <a:schemeClr val="accent1">
+                  <a:schemeClr val="accent6">
                     <a:lumMod val="75000"/>
                   </a:schemeClr>
                 </a:solidFill>
@@ -3655,7 +3649,7 @@
             <a:r>
               <a:rPr lang="ru-RU" dirty="0">
                 <a:solidFill>
-                  <a:schemeClr val="accent1">
+                  <a:schemeClr val="accent6">
                     <a:lumMod val="75000"/>
                   </a:schemeClr>
                 </a:solidFill>
@@ -3669,7 +3663,7 @@
             <a:r>
               <a:rPr lang="ru-RU" dirty="0" smtClean="0">
                 <a:solidFill>
-                  <a:schemeClr val="accent1">
+                  <a:schemeClr val="accent6">
                     <a:lumMod val="75000"/>
                   </a:schemeClr>
                 </a:solidFill>
@@ -3680,7 +3674,7 @@
             <a:r>
               <a:rPr lang="ru-RU" dirty="0">
                 <a:solidFill>
-                  <a:schemeClr val="accent1">
+                  <a:schemeClr val="accent6">
                     <a:lumMod val="75000"/>
                   </a:schemeClr>
                 </a:solidFill>
@@ -3691,7 +3685,7 @@
             <a:r>
               <a:rPr lang="ru-RU" dirty="0" err="1">
                 <a:solidFill>
-                  <a:schemeClr val="accent1">
+                  <a:schemeClr val="accent6">
                     <a:lumMod val="75000"/>
                   </a:schemeClr>
                 </a:solidFill>
@@ -3702,7 +3696,7 @@
             <a:r>
               <a:rPr lang="ru-RU" dirty="0">
                 <a:solidFill>
-                  <a:schemeClr val="accent1">
+                  <a:schemeClr val="accent6">
                     <a:lumMod val="75000"/>
                   </a:schemeClr>
                 </a:solidFill>
@@ -3713,7 +3707,7 @@
             <a:r>
               <a:rPr lang="ru-RU" dirty="0" err="1">
                 <a:solidFill>
-                  <a:schemeClr val="accent1">
+                  <a:schemeClr val="accent6">
                     <a:lumMod val="75000"/>
                   </a:schemeClr>
                 </a:solidFill>
@@ -3724,7 +3718,7 @@
             <a:r>
               <a:rPr lang="ru-RU" dirty="0">
                 <a:solidFill>
-                  <a:schemeClr val="accent1">
+                  <a:schemeClr val="accent6">
                     <a:lumMod val="75000"/>
                   </a:schemeClr>
                 </a:solidFill>
@@ -3735,7 +3729,7 @@
             <a:r>
               <a:rPr lang="ru-RU" dirty="0" smtClean="0">
                 <a:solidFill>
-                  <a:schemeClr val="accent1">
+                  <a:schemeClr val="accent6">
                     <a:lumMod val="75000"/>
                   </a:schemeClr>
                 </a:solidFill>
@@ -3745,7 +3739,7 @@
             </a:r>
             <a:endParaRPr lang="ru-RU" dirty="0">
               <a:solidFill>
-                <a:schemeClr val="accent1">
+                <a:schemeClr val="accent6">
                   <a:lumMod val="75000"/>
                 </a:schemeClr>
               </a:solidFill>
@@ -3764,13 +3758,13 @@
   <p:clrMapOvr>
     <a:masterClrMapping/>
   </p:clrMapOvr>
-  <mc:AlternateContent xmlns:mc="http://schemas.openxmlformats.org/markup-compatibility/2006">
-    <mc:Choice xmlns:p14="http://schemas.microsoft.com/office/powerpoint/2010/main" Requires="p14">
+  <mc:AlternateContent xmlns:mc="http://schemas.openxmlformats.org/markup-compatibility/2006" xmlns:p14="http://schemas.microsoft.com/office/powerpoint/2010/main">
+    <mc:Choice Requires="p14">
       <p:transition spd="med" p14:dur="700">
         <p:fade/>
       </p:transition>
     </mc:Choice>
-    <mc:Fallback>
+    <mc:Fallback xmlns="">
       <p:transition spd="med">
         <p:fade/>
       </p:transition>
@@ -4066,13 +4060,13 @@
   <p:clrMapOvr>
     <a:masterClrMapping/>
   </p:clrMapOvr>
-  <mc:AlternateContent xmlns:mc="http://schemas.openxmlformats.org/markup-compatibility/2006">
-    <mc:Choice xmlns:p14="http://schemas.microsoft.com/office/powerpoint/2010/main" Requires="p14">
+  <mc:AlternateContent xmlns:mc="http://schemas.openxmlformats.org/markup-compatibility/2006" xmlns:p14="http://schemas.microsoft.com/office/powerpoint/2010/main">
+    <mc:Choice Requires="p14">
       <p:transition spd="med" p14:dur="700">
         <p:fade/>
       </p:transition>
     </mc:Choice>
-    <mc:Fallback>
+    <mc:Fallback xmlns="">
       <p:transition spd="med">
         <p:fade/>
       </p:transition>
@@ -4421,13 +4415,13 @@
   <p:clrMapOvr>
     <a:masterClrMapping/>
   </p:clrMapOvr>
-  <mc:AlternateContent xmlns:mc="http://schemas.openxmlformats.org/markup-compatibility/2006">
-    <mc:Choice xmlns:p14="http://schemas.microsoft.com/office/powerpoint/2010/main" Requires="p14">
+  <mc:AlternateContent xmlns:mc="http://schemas.openxmlformats.org/markup-compatibility/2006" xmlns:p14="http://schemas.microsoft.com/office/powerpoint/2010/main">
+    <mc:Choice Requires="p14">
       <p:transition spd="med" p14:dur="700">
         <p:fade/>
       </p:transition>
     </mc:Choice>
-    <mc:Fallback>
+    <mc:Fallback xmlns="">
       <p:transition spd="med">
         <p:fade/>
       </p:transition>
@@ -4584,19 +4578,7 @@
                 </a:solidFill>
                 <a:latin typeface="Comic Sans MS" panose="030F0702030302020204" pitchFamily="66" charset="0"/>
               </a:rPr>
-              <a:t>это в</a:t>
-            </a:r>
-            <a:r>
-              <a:rPr lang="ru-RU" dirty="0" smtClean="0">
-                <a:solidFill>
-                  <a:schemeClr val="accent4">
-                    <a:lumMod val="60000"/>
-                    <a:lumOff val="40000"/>
-                  </a:schemeClr>
-                </a:solidFill>
-                <a:latin typeface="Comic Sans MS" panose="030F0702030302020204" pitchFamily="66" charset="0"/>
-              </a:rPr>
-              <a:t>ерстальщик </a:t>
+              <a:t>это верстальщик </a:t>
             </a:r>
             <a:r>
               <a:rPr lang="ru-RU" dirty="0">
@@ -5020,13 +5002,13 @@
   <p:clrMapOvr>
     <a:masterClrMapping/>
   </p:clrMapOvr>
-  <mc:AlternateContent xmlns:mc="http://schemas.openxmlformats.org/markup-compatibility/2006">
-    <mc:Choice xmlns:p14="http://schemas.microsoft.com/office/powerpoint/2010/main" Requires="p14">
+  <mc:AlternateContent xmlns:mc="http://schemas.openxmlformats.org/markup-compatibility/2006" xmlns:p14="http://schemas.microsoft.com/office/powerpoint/2010/main">
+    <mc:Choice Requires="p14">
       <p:transition spd="med" p14:dur="700">
         <p:fade/>
       </p:transition>
     </mc:Choice>
-    <mc:Fallback>
+    <mc:Fallback xmlns="">
       <p:transition spd="med">
         <p:fade/>
       </p:transition>

--- a/Савин.pptx
+++ b/Савин.pptx
@@ -4444,11 +4444,12 @@
       <p:bgPr>
         <a:blipFill dpi="0" rotWithShape="1">
           <a:blip r:embed="rId2">
+            <a:alphaModFix amt="80000"/>
             <a:lum/>
           </a:blip>
           <a:srcRect/>
           <a:stretch>
-            <a:fillRect t="-39000" b="-39000"/>
+            <a:fillRect t="-14000" b="-14000"/>
           </a:stretch>
         </a:blipFill>
         <a:effectLst/>
@@ -4492,8 +4493,7 @@
               <a:rPr lang="en-US" dirty="0" smtClean="0">
                 <a:solidFill>
                   <a:schemeClr val="accent2">
-                    <a:lumMod val="60000"/>
-                    <a:lumOff val="40000"/>
+                    <a:lumMod val="75000"/>
                   </a:schemeClr>
                 </a:solidFill>
                 <a:latin typeface="Comic Sans MS" panose="030F0702030302020204" pitchFamily="66" charset="0"/>
@@ -4504,8 +4504,7 @@
               <a:rPr lang="ru-RU" dirty="0">
                 <a:solidFill>
                   <a:schemeClr val="accent2">
-                    <a:lumMod val="60000"/>
-                    <a:lumOff val="40000"/>
+                    <a:lumMod val="75000"/>
                   </a:schemeClr>
                 </a:solidFill>
                 <a:latin typeface="Comic Sans MS" panose="030F0702030302020204" pitchFamily="66" charset="0"/>

--- a/Савин.pptx
+++ b/Савин.pptx
@@ -3323,6 +3323,7 @@
                   </a:schemeClr>
                 </a:solidFill>
                 <a:latin typeface="Comic Sans MS" panose="030F0702030302020204" pitchFamily="66" charset="0"/>
+                <a:hlinkClick r:id="rId3" action="ppaction://hlinksldjump"/>
               </a:rPr>
               <a:t>Web-</a:t>
             </a:r>
@@ -3334,32 +3335,9 @@
                   </a:schemeClr>
                 </a:solidFill>
                 <a:latin typeface="Comic Sans MS" panose="030F0702030302020204" pitchFamily="66" charset="0"/>
+                <a:hlinkClick r:id="rId3" action="ppaction://hlinksldjump"/>
               </a:rPr>
               <a:t>дизайнер</a:t>
-            </a:r>
-          </a:p>
-          <a:p>
-            <a:r>
-              <a:rPr lang="en-US" dirty="0" smtClean="0">
-                <a:solidFill>
-                  <a:schemeClr val="bg1">
-                    <a:lumMod val="85000"/>
-                  </a:schemeClr>
-                </a:solidFill>
-                <a:latin typeface="Comic Sans MS" panose="030F0702030302020204" pitchFamily="66" charset="0"/>
-              </a:rPr>
-              <a:t>QA </a:t>
-            </a:r>
-            <a:r>
-              <a:rPr lang="ru-RU" dirty="0" err="1" smtClean="0">
-                <a:solidFill>
-                  <a:schemeClr val="bg1">
-                    <a:lumMod val="85000"/>
-                  </a:schemeClr>
-                </a:solidFill>
-                <a:latin typeface="Comic Sans MS" panose="030F0702030302020204" pitchFamily="66" charset="0"/>
-              </a:rPr>
-              <a:t>тестировщик</a:t>
             </a:r>
             <a:endParaRPr lang="ru-RU" dirty="0" smtClean="0">
               <a:solidFill>
@@ -3379,20 +3357,30 @@
                   </a:schemeClr>
                 </a:solidFill>
                 <a:latin typeface="Comic Sans MS" panose="030F0702030302020204" pitchFamily="66" charset="0"/>
-              </a:rPr>
-              <a:t>Backend </a:t>
-            </a:r>
-            <a:r>
-              <a:rPr lang="ru-RU" dirty="0" smtClean="0">
+                <a:hlinkClick r:id="rId4" action="ppaction://hlinksldjump"/>
+              </a:rPr>
+              <a:t>QA </a:t>
+            </a:r>
+            <a:r>
+              <a:rPr lang="ru-RU" dirty="0" err="1" smtClean="0">
                 <a:solidFill>
                   <a:schemeClr val="bg1">
                     <a:lumMod val="85000"/>
                   </a:schemeClr>
                 </a:solidFill>
                 <a:latin typeface="Comic Sans MS" panose="030F0702030302020204" pitchFamily="66" charset="0"/>
-              </a:rPr>
-              <a:t>разработчик</a:t>
-            </a:r>
+                <a:hlinkClick r:id="rId4" action="ppaction://hlinksldjump"/>
+              </a:rPr>
+              <a:t>тестировщик</a:t>
+            </a:r>
+            <a:endParaRPr lang="ru-RU" dirty="0" smtClean="0">
+              <a:solidFill>
+                <a:schemeClr val="bg1">
+                  <a:lumMod val="85000"/>
+                </a:schemeClr>
+              </a:solidFill>
+              <a:latin typeface="Comic Sans MS" panose="030F0702030302020204" pitchFamily="66" charset="0"/>
+            </a:endParaRPr>
           </a:p>
           <a:p>
             <a:r>
@@ -3403,8 +3391,9 @@
                   </a:schemeClr>
                 </a:solidFill>
                 <a:latin typeface="Comic Sans MS" panose="030F0702030302020204" pitchFamily="66" charset="0"/>
-              </a:rPr>
-              <a:t>Frontend </a:t>
+                <a:hlinkClick r:id="rId5" action="ppaction://hlinksldjump"/>
+              </a:rPr>
+              <a:t>Backend </a:t>
             </a:r>
             <a:r>
               <a:rPr lang="ru-RU" dirty="0" smtClean="0">
@@ -3414,9 +3403,52 @@
                   </a:schemeClr>
                 </a:solidFill>
                 <a:latin typeface="Comic Sans MS" panose="030F0702030302020204" pitchFamily="66" charset="0"/>
+                <a:hlinkClick r:id="rId5" action="ppaction://hlinksldjump"/>
               </a:rPr>
               <a:t>разработчик</a:t>
             </a:r>
+            <a:endParaRPr lang="ru-RU" dirty="0" smtClean="0">
+              <a:solidFill>
+                <a:schemeClr val="bg1">
+                  <a:lumMod val="85000"/>
+                </a:schemeClr>
+              </a:solidFill>
+              <a:latin typeface="Comic Sans MS" panose="030F0702030302020204" pitchFamily="66" charset="0"/>
+            </a:endParaRPr>
+          </a:p>
+          <a:p>
+            <a:r>
+              <a:rPr lang="en-US" dirty="0" smtClean="0">
+                <a:solidFill>
+                  <a:schemeClr val="bg1">
+                    <a:lumMod val="85000"/>
+                  </a:schemeClr>
+                </a:solidFill>
+                <a:latin typeface="Comic Sans MS" panose="030F0702030302020204" pitchFamily="66" charset="0"/>
+                <a:hlinkClick r:id="rId6" action="ppaction://hlinksldjump"/>
+              </a:rPr>
+              <a:t>Frontend </a:t>
+            </a:r>
+            <a:r>
+              <a:rPr lang="ru-RU" dirty="0" smtClean="0">
+                <a:solidFill>
+                  <a:schemeClr val="bg1">
+                    <a:lumMod val="85000"/>
+                  </a:schemeClr>
+                </a:solidFill>
+                <a:latin typeface="Comic Sans MS" panose="030F0702030302020204" pitchFamily="66" charset="0"/>
+                <a:hlinkClick r:id="rId6" action="ppaction://hlinksldjump"/>
+              </a:rPr>
+              <a:t>разработчик</a:t>
+            </a:r>
+            <a:endParaRPr lang="ru-RU" dirty="0" smtClean="0">
+              <a:solidFill>
+                <a:schemeClr val="bg1">
+                  <a:lumMod val="85000"/>
+                </a:schemeClr>
+              </a:solidFill>
+              <a:latin typeface="Comic Sans MS" panose="030F0702030302020204" pitchFamily="66" charset="0"/>
+            </a:endParaRPr>
           </a:p>
           <a:p>
             <a:endParaRPr lang="ru-RU" dirty="0">

--- a/Савин.pptx
+++ b/Савин.pptx
@@ -111,7 +111,7 @@
   </p:defaultTextStyle>
   <p:extLst>
     <p:ext uri="{EFAFB233-063F-42B5-8137-9DF3F51BA10A}">
-      <p15:sldGuideLst xmlns:p15="http://schemas.microsoft.com/office/powerpoint/2012/main"/>
+      <p15:sldGuideLst xmlns:p15="http://schemas.microsoft.com/office/powerpoint/2012/main" xmlns=""/>
     </p:ext>
   </p:extLst>
 </p:presentation>
@@ -248,7 +248,7 @@
           <a:p>
             <a:fld id="{81151AA3-DB62-4457-B421-8B239C91E311}" type="datetimeFigureOut">
               <a:rPr lang="ru-RU" smtClean="0"/>
-              <a:t>10.05.2017</a:t>
+              <a:t>14.05.2017</a:t>
             </a:fld>
             <a:endParaRPr lang="ru-RU"/>
           </a:p>
@@ -430,7 +430,7 @@
           <a:p>
             <a:fld id="{81151AA3-DB62-4457-B421-8B239C91E311}" type="datetimeFigureOut">
               <a:rPr lang="ru-RU" smtClean="0"/>
-              <a:t>10.05.2017</a:t>
+              <a:t>14.05.2017</a:t>
             </a:fld>
             <a:endParaRPr lang="ru-RU"/>
           </a:p>
@@ -622,7 +622,7 @@
           <a:p>
             <a:fld id="{81151AA3-DB62-4457-B421-8B239C91E311}" type="datetimeFigureOut">
               <a:rPr lang="ru-RU" smtClean="0"/>
-              <a:t>10.05.2017</a:t>
+              <a:t>14.05.2017</a:t>
             </a:fld>
             <a:endParaRPr lang="ru-RU"/>
           </a:p>
@@ -804,7 +804,7 @@
           <a:p>
             <a:fld id="{81151AA3-DB62-4457-B421-8B239C91E311}" type="datetimeFigureOut">
               <a:rPr lang="ru-RU" smtClean="0"/>
-              <a:t>10.05.2017</a:t>
+              <a:t>14.05.2017</a:t>
             </a:fld>
             <a:endParaRPr lang="ru-RU"/>
           </a:p>
@@ -1062,7 +1062,7 @@
           <a:p>
             <a:fld id="{81151AA3-DB62-4457-B421-8B239C91E311}" type="datetimeFigureOut">
               <a:rPr lang="ru-RU" smtClean="0"/>
-              <a:t>10.05.2017</a:t>
+              <a:t>14.05.2017</a:t>
             </a:fld>
             <a:endParaRPr lang="ru-RU"/>
           </a:p>
@@ -1306,7 +1306,7 @@
           <a:p>
             <a:fld id="{81151AA3-DB62-4457-B421-8B239C91E311}" type="datetimeFigureOut">
               <a:rPr lang="ru-RU" smtClean="0"/>
-              <a:t>10.05.2017</a:t>
+              <a:t>14.05.2017</a:t>
             </a:fld>
             <a:endParaRPr lang="ru-RU"/>
           </a:p>
@@ -1685,7 +1685,7 @@
           <a:p>
             <a:fld id="{81151AA3-DB62-4457-B421-8B239C91E311}" type="datetimeFigureOut">
               <a:rPr lang="ru-RU" smtClean="0"/>
-              <a:t>10.05.2017</a:t>
+              <a:t>14.05.2017</a:t>
             </a:fld>
             <a:endParaRPr lang="ru-RU"/>
           </a:p>
@@ -1815,7 +1815,7 @@
           <a:p>
             <a:fld id="{81151AA3-DB62-4457-B421-8B239C91E311}" type="datetimeFigureOut">
               <a:rPr lang="ru-RU" smtClean="0"/>
-              <a:t>10.05.2017</a:t>
+              <a:t>14.05.2017</a:t>
             </a:fld>
             <a:endParaRPr lang="ru-RU"/>
           </a:p>
@@ -1922,7 +1922,7 @@
           <a:p>
             <a:fld id="{81151AA3-DB62-4457-B421-8B239C91E311}" type="datetimeFigureOut">
               <a:rPr lang="ru-RU" smtClean="0"/>
-              <a:t>10.05.2017</a:t>
+              <a:t>14.05.2017</a:t>
             </a:fld>
             <a:endParaRPr lang="ru-RU"/>
           </a:p>
@@ -2211,7 +2211,7 @@
           <a:p>
             <a:fld id="{81151AA3-DB62-4457-B421-8B239C91E311}" type="datetimeFigureOut">
               <a:rPr lang="ru-RU" smtClean="0"/>
-              <a:t>10.05.2017</a:t>
+              <a:t>14.05.2017</a:t>
             </a:fld>
             <a:endParaRPr lang="ru-RU"/>
           </a:p>
@@ -2476,7 +2476,7 @@
           <a:p>
             <a:fld id="{81151AA3-DB62-4457-B421-8B239C91E311}" type="datetimeFigureOut">
               <a:rPr lang="ru-RU" smtClean="0"/>
-              <a:t>10.05.2017</a:t>
+              <a:t>14.05.2017</a:t>
             </a:fld>
             <a:endParaRPr lang="ru-RU"/>
           </a:p>
@@ -2701,7 +2701,7 @@
           <a:p>
             <a:fld id="{81151AA3-DB62-4457-B421-8B239C91E311}" type="datetimeFigureOut">
               <a:rPr lang="ru-RU" smtClean="0"/>
-              <a:t>10.05.2017</a:t>
+              <a:t>14.05.2017</a:t>
             </a:fld>
             <a:endParaRPr lang="ru-RU"/>
           </a:p>
@@ -3112,7 +3112,7 @@
           </a:blip>
           <a:srcRect/>
           <a:stretch>
-            <a:fillRect t="-6000" b="-6000"/>
+            <a:fillRect t="-25000" b="-25000"/>
           </a:stretch>
         </a:blipFill>
         <a:effectLst/>
@@ -3134,28 +3134,51 @@
       </p:grpSpPr>
       <p:sp>
         <p:nvSpPr>
-          <p:cNvPr id="3" name="Подзаголовок 2"/>
-          <p:cNvSpPr>
-            <a:spLocks noGrp="1"/>
-          </p:cNvSpPr>
-          <p:nvPr>
-            <p:ph type="subTitle" idx="1"/>
-          </p:nvPr>
+          <p:cNvPr id="2" name="Скругленный прямоугольник 1"/>
+          <p:cNvSpPr/>
+          <p:nvPr/>
         </p:nvSpPr>
         <p:spPr>
           <a:xfrm>
-            <a:off x="1654629" y="1352323"/>
-            <a:ext cx="9144000" cy="1927905"/>
+            <a:off x="2749550" y="2349654"/>
+            <a:ext cx="6686550" cy="1447492"/>
           </a:xfrm>
+          <a:prstGeom prst="roundRect">
+            <a:avLst/>
+          </a:prstGeom>
+          <a:solidFill>
+            <a:schemeClr val="bg1">
+              <a:lumMod val="95000"/>
+              <a:alpha val="55000"/>
+            </a:schemeClr>
+          </a:solidFill>
+          <a:ln>
+            <a:noFill/>
+          </a:ln>
         </p:spPr>
-        <p:txBody>
-          <a:bodyPr>
-            <a:normAutofit/>
-          </a:bodyPr>
-          <a:lstStyle/>
-          <a:p>
-            <a:r>
-              <a:rPr lang="ru-RU" sz="4000" dirty="0" smtClean="0">
+        <p:style>
+          <a:lnRef idx="2">
+            <a:schemeClr val="accent1">
+              <a:shade val="50000"/>
+            </a:schemeClr>
+          </a:lnRef>
+          <a:fillRef idx="1">
+            <a:schemeClr val="accent1"/>
+          </a:fillRef>
+          <a:effectRef idx="0">
+            <a:schemeClr val="accent1"/>
+          </a:effectRef>
+          <a:fontRef idx="minor">
+            <a:schemeClr val="lt1"/>
+          </a:fontRef>
+        </p:style>
+        <p:txBody>
+          <a:bodyPr rtlCol="0" anchor="ctr"/>
+          <a:lstStyle/>
+          <a:p>
+            <a:pPr algn="ctr"/>
+            <a:r>
+              <a:rPr lang="ru-RU" sz="3200">
                 <a:solidFill>
                   <a:schemeClr val="bg1"/>
                 </a:solidFill>
@@ -3170,7 +3193,7 @@
               </a:rPr>
               <a:t>Профессии связанные с программированием</a:t>
             </a:r>
-            <a:endParaRPr lang="ru-RU" sz="4000" dirty="0">
+            <a:endParaRPr lang="ru-RU" sz="3200" dirty="0">
               <a:solidFill>
                 <a:schemeClr val="bg1"/>
               </a:solidFill>
@@ -3211,299 +3234,96 @@
   <p:timing>
     <p:tnLst>
       <p:par>
-        <p:cTn id="1" dur="indefinite" restart="never" nodeType="tmRoot"/>
+        <p:cTn id="1" dur="indefinite" restart="never" nodeType="tmRoot">
+          <p:childTnLst>
+            <p:seq concurrent="1" nextAc="seek">
+              <p:cTn id="2" dur="indefinite" nodeType="mainSeq">
+                <p:childTnLst>
+                  <p:par>
+                    <p:cTn id="3" fill="hold">
+                      <p:stCondLst>
+                        <p:cond delay="indefinite"/>
+                        <p:cond evt="onBegin" delay="0">
+                          <p:tn val="2"/>
+                        </p:cond>
+                      </p:stCondLst>
+                      <p:childTnLst>
+                        <p:par>
+                          <p:cTn id="4" fill="hold">
+                            <p:stCondLst>
+                              <p:cond delay="0"/>
+                            </p:stCondLst>
+                            <p:childTnLst>
+                              <p:par>
+                                <p:cTn id="5" presetID="10" presetClass="entr" presetSubtype="0" fill="hold" grpId="0" nodeType="afterEffect">
+                                  <p:stCondLst>
+                                    <p:cond delay="200"/>
+                                  </p:stCondLst>
+                                  <p:childTnLst>
+                                    <p:set>
+                                      <p:cBhvr>
+                                        <p:cTn id="6" dur="1" fill="hold">
+                                          <p:stCondLst>
+                                            <p:cond delay="0"/>
+                                          </p:stCondLst>
+                                        </p:cTn>
+                                        <p:tgtEl>
+                                          <p:spTgt spid="2"/>
+                                        </p:tgtEl>
+                                        <p:attrNameLst>
+                                          <p:attrName>style.visibility</p:attrName>
+                                        </p:attrNameLst>
+                                      </p:cBhvr>
+                                      <p:to>
+                                        <p:strVal val="visible"/>
+                                      </p:to>
+                                    </p:set>
+                                    <p:animEffect transition="in" filter="fade">
+                                      <p:cBhvr>
+                                        <p:cTn id="7" dur="500"/>
+                                        <p:tgtEl>
+                                          <p:spTgt spid="2"/>
+                                        </p:tgtEl>
+                                      </p:cBhvr>
+                                    </p:animEffect>
+                                  </p:childTnLst>
+                                </p:cTn>
+                              </p:par>
+                            </p:childTnLst>
+                          </p:cTn>
+                        </p:par>
+                      </p:childTnLst>
+                    </p:cTn>
+                  </p:par>
+                </p:childTnLst>
+              </p:cTn>
+              <p:prevCondLst>
+                <p:cond evt="onPrev" delay="0">
+                  <p:tgtEl>
+                    <p:sldTgt/>
+                  </p:tgtEl>
+                </p:cond>
+              </p:prevCondLst>
+              <p:nextCondLst>
+                <p:cond evt="onNext" delay="0">
+                  <p:tgtEl>
+                    <p:sldTgt/>
+                  </p:tgtEl>
+                </p:cond>
+              </p:nextCondLst>
+            </p:seq>
+          </p:childTnLst>
+        </p:cTn>
       </p:par>
     </p:tnLst>
+    <p:bldLst>
+      <p:bldP spid="2" grpId="0" animBg="1"/>
+    </p:bldLst>
   </p:timing>
 </p:sld>
 </file>
 
 <file path=ppt/slides/slide2.xml><?xml version="1.0" encoding="utf-8"?>
-<p:sld xmlns:a="http://schemas.openxmlformats.org/drawingml/2006/main" xmlns:r="http://schemas.openxmlformats.org/officeDocument/2006/relationships" xmlns:p="http://schemas.openxmlformats.org/presentationml/2006/main">
-  <p:cSld>
-    <p:bg>
-      <p:bgPr>
-        <a:blipFill dpi="0" rotWithShape="1">
-          <a:blip r:embed="rId2">
-            <a:lum/>
-          </a:blip>
-          <a:srcRect/>
-          <a:stretch>
-            <a:fillRect t="-17000" b="-17000"/>
-          </a:stretch>
-        </a:blipFill>
-        <a:effectLst/>
-      </p:bgPr>
-    </p:bg>
-    <p:spTree>
-      <p:nvGrpSpPr>
-        <p:cNvPr id="1" name=""/>
-        <p:cNvGrpSpPr/>
-        <p:nvPr/>
-      </p:nvGrpSpPr>
-      <p:grpSpPr>
-        <a:xfrm>
-          <a:off x="0" y="0"/>
-          <a:ext cx="0" cy="0"/>
-          <a:chOff x="0" y="0"/>
-          <a:chExt cx="0" cy="0"/>
-        </a:xfrm>
-      </p:grpSpPr>
-      <p:sp>
-        <p:nvSpPr>
-          <p:cNvPr id="2" name="Заголовок 1"/>
-          <p:cNvSpPr>
-            <a:spLocks noGrp="1"/>
-          </p:cNvSpPr>
-          <p:nvPr>
-            <p:ph type="title"/>
-          </p:nvPr>
-        </p:nvSpPr>
-        <p:spPr/>
-        <p:txBody>
-          <a:bodyPr/>
-          <a:lstStyle/>
-          <a:p>
-            <a:r>
-              <a:rPr lang="ru-RU" dirty="0" smtClean="0">
-                <a:solidFill>
-                  <a:schemeClr val="accent4">
-                    <a:lumMod val="60000"/>
-                    <a:lumOff val="40000"/>
-                  </a:schemeClr>
-                </a:solidFill>
-                <a:latin typeface="Comic Sans MS" panose="030F0702030302020204" pitchFamily="66" charset="0"/>
-              </a:rPr>
-              <a:t>Профессии</a:t>
-            </a:r>
-            <a:r>
-              <a:rPr lang="en-US" dirty="0" smtClean="0">
-                <a:solidFill>
-                  <a:schemeClr val="accent4">
-                    <a:lumMod val="60000"/>
-                    <a:lumOff val="40000"/>
-                  </a:schemeClr>
-                </a:solidFill>
-                <a:latin typeface="Comic Sans MS" panose="030F0702030302020204" pitchFamily="66" charset="0"/>
-              </a:rPr>
-              <a:t>:</a:t>
-            </a:r>
-            <a:endParaRPr lang="ru-RU" dirty="0">
-              <a:solidFill>
-                <a:schemeClr val="accent4">
-                  <a:lumMod val="60000"/>
-                  <a:lumOff val="40000"/>
-                </a:schemeClr>
-              </a:solidFill>
-              <a:latin typeface="Comic Sans MS" panose="030F0702030302020204" pitchFamily="66" charset="0"/>
-            </a:endParaRPr>
-          </a:p>
-        </p:txBody>
-      </p:sp>
-      <p:sp>
-        <p:nvSpPr>
-          <p:cNvPr id="3" name="Объект 2"/>
-          <p:cNvSpPr>
-            <a:spLocks noGrp="1"/>
-          </p:cNvSpPr>
-          <p:nvPr>
-            <p:ph idx="1"/>
-          </p:nvPr>
-        </p:nvSpPr>
-        <p:spPr/>
-        <p:txBody>
-          <a:bodyPr/>
-          <a:lstStyle/>
-          <a:p>
-            <a:r>
-              <a:rPr lang="en-US" dirty="0">
-                <a:solidFill>
-                  <a:schemeClr val="bg1">
-                    <a:lumMod val="85000"/>
-                  </a:schemeClr>
-                </a:solidFill>
-                <a:latin typeface="Comic Sans MS" panose="030F0702030302020204" pitchFamily="66" charset="0"/>
-                <a:hlinkClick r:id="rId3" action="ppaction://hlinksldjump"/>
-              </a:rPr>
-              <a:t>Web-</a:t>
-            </a:r>
-            <a:r>
-              <a:rPr lang="ru-RU" dirty="0" smtClean="0">
-                <a:solidFill>
-                  <a:schemeClr val="bg1">
-                    <a:lumMod val="85000"/>
-                  </a:schemeClr>
-                </a:solidFill>
-                <a:latin typeface="Comic Sans MS" panose="030F0702030302020204" pitchFamily="66" charset="0"/>
-                <a:hlinkClick r:id="rId3" action="ppaction://hlinksldjump"/>
-              </a:rPr>
-              <a:t>дизайнер</a:t>
-            </a:r>
-            <a:endParaRPr lang="ru-RU" dirty="0" smtClean="0">
-              <a:solidFill>
-                <a:schemeClr val="bg1">
-                  <a:lumMod val="85000"/>
-                </a:schemeClr>
-              </a:solidFill>
-              <a:latin typeface="Comic Sans MS" panose="030F0702030302020204" pitchFamily="66" charset="0"/>
-            </a:endParaRPr>
-          </a:p>
-          <a:p>
-            <a:r>
-              <a:rPr lang="en-US" dirty="0" smtClean="0">
-                <a:solidFill>
-                  <a:schemeClr val="bg1">
-                    <a:lumMod val="85000"/>
-                  </a:schemeClr>
-                </a:solidFill>
-                <a:latin typeface="Comic Sans MS" panose="030F0702030302020204" pitchFamily="66" charset="0"/>
-                <a:hlinkClick r:id="rId4" action="ppaction://hlinksldjump"/>
-              </a:rPr>
-              <a:t>QA </a:t>
-            </a:r>
-            <a:r>
-              <a:rPr lang="ru-RU" dirty="0" err="1" smtClean="0">
-                <a:solidFill>
-                  <a:schemeClr val="bg1">
-                    <a:lumMod val="85000"/>
-                  </a:schemeClr>
-                </a:solidFill>
-                <a:latin typeface="Comic Sans MS" panose="030F0702030302020204" pitchFamily="66" charset="0"/>
-                <a:hlinkClick r:id="rId4" action="ppaction://hlinksldjump"/>
-              </a:rPr>
-              <a:t>тестировщик</a:t>
-            </a:r>
-            <a:endParaRPr lang="ru-RU" dirty="0" smtClean="0">
-              <a:solidFill>
-                <a:schemeClr val="bg1">
-                  <a:lumMod val="85000"/>
-                </a:schemeClr>
-              </a:solidFill>
-              <a:latin typeface="Comic Sans MS" panose="030F0702030302020204" pitchFamily="66" charset="0"/>
-            </a:endParaRPr>
-          </a:p>
-          <a:p>
-            <a:r>
-              <a:rPr lang="en-US" dirty="0" smtClean="0">
-                <a:solidFill>
-                  <a:schemeClr val="bg1">
-                    <a:lumMod val="85000"/>
-                  </a:schemeClr>
-                </a:solidFill>
-                <a:latin typeface="Comic Sans MS" panose="030F0702030302020204" pitchFamily="66" charset="0"/>
-                <a:hlinkClick r:id="rId5" action="ppaction://hlinksldjump"/>
-              </a:rPr>
-              <a:t>Backend </a:t>
-            </a:r>
-            <a:r>
-              <a:rPr lang="ru-RU" dirty="0" smtClean="0">
-                <a:solidFill>
-                  <a:schemeClr val="bg1">
-                    <a:lumMod val="85000"/>
-                  </a:schemeClr>
-                </a:solidFill>
-                <a:latin typeface="Comic Sans MS" panose="030F0702030302020204" pitchFamily="66" charset="0"/>
-                <a:hlinkClick r:id="rId5" action="ppaction://hlinksldjump"/>
-              </a:rPr>
-              <a:t>разработчик</a:t>
-            </a:r>
-            <a:endParaRPr lang="ru-RU" dirty="0" smtClean="0">
-              <a:solidFill>
-                <a:schemeClr val="bg1">
-                  <a:lumMod val="85000"/>
-                </a:schemeClr>
-              </a:solidFill>
-              <a:latin typeface="Comic Sans MS" panose="030F0702030302020204" pitchFamily="66" charset="0"/>
-            </a:endParaRPr>
-          </a:p>
-          <a:p>
-            <a:r>
-              <a:rPr lang="en-US" dirty="0" smtClean="0">
-                <a:solidFill>
-                  <a:schemeClr val="bg1">
-                    <a:lumMod val="85000"/>
-                  </a:schemeClr>
-                </a:solidFill>
-                <a:latin typeface="Comic Sans MS" panose="030F0702030302020204" pitchFamily="66" charset="0"/>
-                <a:hlinkClick r:id="rId6" action="ppaction://hlinksldjump"/>
-              </a:rPr>
-              <a:t>Frontend </a:t>
-            </a:r>
-            <a:r>
-              <a:rPr lang="ru-RU" dirty="0" smtClean="0">
-                <a:solidFill>
-                  <a:schemeClr val="bg1">
-                    <a:lumMod val="85000"/>
-                  </a:schemeClr>
-                </a:solidFill>
-                <a:latin typeface="Comic Sans MS" panose="030F0702030302020204" pitchFamily="66" charset="0"/>
-                <a:hlinkClick r:id="rId6" action="ppaction://hlinksldjump"/>
-              </a:rPr>
-              <a:t>разработчик</a:t>
-            </a:r>
-            <a:endParaRPr lang="ru-RU" dirty="0" smtClean="0">
-              <a:solidFill>
-                <a:schemeClr val="bg1">
-                  <a:lumMod val="85000"/>
-                </a:schemeClr>
-              </a:solidFill>
-              <a:latin typeface="Comic Sans MS" panose="030F0702030302020204" pitchFamily="66" charset="0"/>
-            </a:endParaRPr>
-          </a:p>
-          <a:p>
-            <a:endParaRPr lang="ru-RU" dirty="0">
-              <a:solidFill>
-                <a:schemeClr val="bg1">
-                  <a:lumMod val="85000"/>
-                </a:schemeClr>
-              </a:solidFill>
-              <a:latin typeface="Comic Sans MS" panose="030F0702030302020204" pitchFamily="66" charset="0"/>
-            </a:endParaRPr>
-          </a:p>
-          <a:p>
-            <a:endParaRPr lang="ru-RU" dirty="0">
-              <a:solidFill>
-                <a:schemeClr val="bg1">
-                  <a:lumMod val="85000"/>
-                </a:schemeClr>
-              </a:solidFill>
-            </a:endParaRPr>
-          </a:p>
-        </p:txBody>
-      </p:sp>
-    </p:spTree>
-    <p:extLst>
-      <p:ext uri="{BB962C8B-B14F-4D97-AF65-F5344CB8AC3E}">
-        <p14:creationId xmlns:p14="http://schemas.microsoft.com/office/powerpoint/2010/main" val="4030040135"/>
-      </p:ext>
-    </p:extLst>
-  </p:cSld>
-  <p:clrMapOvr>
-    <a:masterClrMapping/>
-  </p:clrMapOvr>
-  <mc:AlternateContent xmlns:mc="http://schemas.openxmlformats.org/markup-compatibility/2006" xmlns:p14="http://schemas.microsoft.com/office/powerpoint/2010/main">
-    <mc:Choice Requires="p14">
-      <p:transition spd="med" p14:dur="700">
-        <p:fade/>
-      </p:transition>
-    </mc:Choice>
-    <mc:Fallback xmlns="">
-      <p:transition spd="med">
-        <p:fade/>
-      </p:transition>
-    </mc:Fallback>
-  </mc:AlternateContent>
-  <p:timing>
-    <p:tnLst>
-      <p:par>
-        <p:cTn id="1" dur="indefinite" restart="never" nodeType="tmRoot"/>
-      </p:par>
-    </p:tnLst>
-  </p:timing>
-</p:sld>
-</file>
-
-<file path=ppt/slides/slide3.xml><?xml version="1.0" encoding="utf-8"?>
 <p:sld xmlns:a="http://schemas.openxmlformats.org/drawingml/2006/main" xmlns:r="http://schemas.openxmlformats.org/officeDocument/2006/relationships" xmlns:p="http://schemas.openxmlformats.org/presentationml/2006/main">
   <p:cSld>
     <p:bg>
@@ -3536,22 +3356,22 @@
       </p:grpSpPr>
       <p:sp>
         <p:nvSpPr>
-          <p:cNvPr id="4" name="Прямоугольник 3"/>
+          <p:cNvPr id="4" name="Скругленный прямоугольник 3"/>
           <p:cNvSpPr/>
           <p:nvPr/>
         </p:nvSpPr>
         <p:spPr>
           <a:xfrm>
-            <a:off x="-1117600" y="-537029"/>
-            <a:ext cx="13556343" cy="7395029"/>
+            <a:off x="3673475" y="681592"/>
+            <a:ext cx="4819650" cy="1043349"/>
           </a:xfrm>
-          <a:prstGeom prst="rect">
+          <a:prstGeom prst="roundRect">
             <a:avLst/>
           </a:prstGeom>
           <a:solidFill>
             <a:schemeClr val="bg1">
-              <a:lumMod val="65000"/>
-              <a:alpha val="33000"/>
+              <a:lumMod val="95000"/>
+              <a:alpha val="55000"/>
             </a:schemeClr>
           </a:solidFill>
           <a:ln>
@@ -3579,60 +3399,825 @@
           <a:lstStyle/>
           <a:p>
             <a:pPr algn="ctr"/>
-            <a:endParaRPr lang="ru-RU"/>
-          </a:p>
-        </p:txBody>
-      </p:sp>
-      <p:sp>
-        <p:nvSpPr>
-          <p:cNvPr id="2" name="Заголовок 1"/>
-          <p:cNvSpPr>
-            <a:spLocks noGrp="1"/>
-          </p:cNvSpPr>
-          <p:nvPr>
-            <p:ph type="title"/>
-          </p:nvPr>
+            <a:r>
+              <a:rPr lang="ru-RU" sz="3200" smtClean="0">
+                <a:solidFill>
+                  <a:schemeClr val="bg1"/>
+                </a:solidFill>
+                <a:effectLst>
+                  <a:outerShdw blurRad="38100" dist="38100" dir="2700000" algn="tl">
+                    <a:srgbClr val="000000">
+                      <a:alpha val="43137"/>
+                    </a:srgbClr>
+                  </a:outerShdw>
+                </a:effectLst>
+                <a:latin typeface="Comic Sans MS" panose="030F0702030302020204" pitchFamily="66" charset="0"/>
+              </a:rPr>
+              <a:t>Профессии</a:t>
+            </a:r>
+            <a:endParaRPr lang="ru-RU" sz="3200" dirty="0">
+              <a:solidFill>
+                <a:schemeClr val="bg1"/>
+              </a:solidFill>
+              <a:effectLst>
+                <a:outerShdw blurRad="38100" dist="38100" dir="2700000" algn="tl">
+                  <a:srgbClr val="000000">
+                    <a:alpha val="43137"/>
+                  </a:srgbClr>
+                </a:outerShdw>
+              </a:effectLst>
+              <a:latin typeface="Comic Sans MS" panose="030F0702030302020204" pitchFamily="66" charset="0"/>
+            </a:endParaRPr>
+          </a:p>
+        </p:txBody>
+      </p:sp>
+      <p:sp>
+        <p:nvSpPr>
+          <p:cNvPr id="8" name="Скругленный прямоугольник 7">
+            <a:hlinkClick r:id="rId3" action="ppaction://hlinksldjump"/>
+          </p:cNvPr>
+          <p:cNvSpPr/>
+          <p:nvPr/>
         </p:nvSpPr>
         <p:spPr>
           <a:xfrm>
-            <a:off x="2148114" y="365125"/>
-            <a:ext cx="9205686" cy="1325563"/>
+            <a:off x="6353175" y="3566130"/>
+            <a:ext cx="4819650" cy="1043349"/>
           </a:xfrm>
+          <a:prstGeom prst="roundRect">
+            <a:avLst/>
+          </a:prstGeom>
+          <a:solidFill>
+            <a:schemeClr val="bg1">
+              <a:lumMod val="95000"/>
+              <a:alpha val="55000"/>
+            </a:schemeClr>
+          </a:solidFill>
+          <a:ln>
+            <a:noFill/>
+          </a:ln>
         </p:spPr>
-        <p:txBody>
-          <a:bodyPr>
-            <a:normAutofit/>
-          </a:bodyPr>
-          <a:lstStyle/>
-          <a:p>
-            <a:r>
-              <a:rPr lang="en-US" sz="5400" dirty="0" smtClean="0">
+        <p:style>
+          <a:lnRef idx="2">
+            <a:schemeClr val="accent1">
+              <a:shade val="50000"/>
+            </a:schemeClr>
+          </a:lnRef>
+          <a:fillRef idx="1">
+            <a:schemeClr val="accent1"/>
+          </a:fillRef>
+          <a:effectRef idx="0">
+            <a:schemeClr val="accent1"/>
+          </a:effectRef>
+          <a:fontRef idx="minor">
+            <a:schemeClr val="lt1"/>
+          </a:fontRef>
+        </p:style>
+        <p:txBody>
+          <a:bodyPr rtlCol="0" anchor="ctr"/>
+          <a:lstStyle/>
+          <a:p>
+            <a:r>
+              <a:rPr lang="en-US" sz="3200">
                 <a:solidFill>
-                  <a:schemeClr val="accent2">
-                    <a:lumMod val="75000"/>
+                  <a:schemeClr val="bg1">
+                    <a:lumMod val="95000"/>
                   </a:schemeClr>
                 </a:solidFill>
+                <a:effectLst>
+                  <a:outerShdw blurRad="38100" dist="38100" dir="2700000" algn="tl">
+                    <a:srgbClr val="000000">
+                      <a:alpha val="43137"/>
+                    </a:srgbClr>
+                  </a:outerShdw>
+                </a:effectLst>
+                <a:latin typeface="Comic Sans MS" panose="030F0702030302020204" pitchFamily="66" charset="0"/>
+              </a:rPr>
+              <a:t>QA </a:t>
+            </a:r>
+            <a:r>
+              <a:rPr lang="ru-RU" sz="3200">
+                <a:solidFill>
+                  <a:schemeClr val="bg1">
+                    <a:lumMod val="95000"/>
+                  </a:schemeClr>
+                </a:solidFill>
+                <a:effectLst>
+                  <a:outerShdw blurRad="38100" dist="38100" dir="2700000" algn="tl">
+                    <a:srgbClr val="000000">
+                      <a:alpha val="43137"/>
+                    </a:srgbClr>
+                  </a:outerShdw>
+                </a:effectLst>
+                <a:latin typeface="Comic Sans MS" panose="030F0702030302020204" pitchFamily="66" charset="0"/>
+              </a:rPr>
+              <a:t>тестировщик</a:t>
+            </a:r>
+            <a:endParaRPr lang="ru-RU" sz="3200">
+              <a:solidFill>
+                <a:schemeClr val="bg1">
+                  <a:lumMod val="95000"/>
+                </a:schemeClr>
+              </a:solidFill>
+              <a:effectLst>
+                <a:outerShdw blurRad="38100" dist="38100" dir="2700000" algn="tl">
+                  <a:srgbClr val="000000">
+                    <a:alpha val="43137"/>
+                  </a:srgbClr>
+                </a:outerShdw>
+              </a:effectLst>
+              <a:latin typeface="Comic Sans MS" panose="030F0702030302020204" pitchFamily="66" charset="0"/>
+            </a:endParaRPr>
+          </a:p>
+        </p:txBody>
+      </p:sp>
+      <p:sp>
+        <p:nvSpPr>
+          <p:cNvPr id="9" name="Скругленный прямоугольник 8">
+            <a:hlinkClick r:id="rId4" action="ppaction://hlinksldjump"/>
+          </p:cNvPr>
+          <p:cNvSpPr/>
+          <p:nvPr/>
+        </p:nvSpPr>
+        <p:spPr>
+          <a:xfrm>
+            <a:off x="6353175" y="2067840"/>
+            <a:ext cx="4819650" cy="1043349"/>
+          </a:xfrm>
+          <a:prstGeom prst="roundRect">
+            <a:avLst/>
+          </a:prstGeom>
+          <a:solidFill>
+            <a:schemeClr val="bg1">
+              <a:lumMod val="95000"/>
+              <a:alpha val="55000"/>
+            </a:schemeClr>
+          </a:solidFill>
+          <a:ln>
+            <a:noFill/>
+          </a:ln>
+        </p:spPr>
+        <p:style>
+          <a:lnRef idx="2">
+            <a:schemeClr val="accent1">
+              <a:shade val="50000"/>
+            </a:schemeClr>
+          </a:lnRef>
+          <a:fillRef idx="1">
+            <a:schemeClr val="accent1"/>
+          </a:fillRef>
+          <a:effectRef idx="0">
+            <a:schemeClr val="accent1"/>
+          </a:effectRef>
+          <a:fontRef idx="minor">
+            <a:schemeClr val="lt1"/>
+          </a:fontRef>
+        </p:style>
+        <p:txBody>
+          <a:bodyPr rtlCol="0" anchor="ctr"/>
+          <a:lstStyle/>
+          <a:p>
+            <a:r>
+              <a:rPr lang="en-US" sz="3200">
+                <a:solidFill>
+                  <a:schemeClr val="bg1">
+                    <a:lumMod val="95000"/>
+                  </a:schemeClr>
+                </a:solidFill>
+                <a:effectLst>
+                  <a:outerShdw blurRad="38100" dist="38100" dir="2700000" algn="tl">
+                    <a:srgbClr val="000000">
+                      <a:alpha val="43137"/>
+                    </a:srgbClr>
+                  </a:outerShdw>
+                </a:effectLst>
+                <a:latin typeface="Comic Sans MS" panose="030F0702030302020204" pitchFamily="66" charset="0"/>
+              </a:rPr>
+              <a:t>Backend </a:t>
+            </a:r>
+            <a:r>
+              <a:rPr lang="ru-RU" sz="3200">
+                <a:solidFill>
+                  <a:schemeClr val="bg1">
+                    <a:lumMod val="95000"/>
+                  </a:schemeClr>
+                </a:solidFill>
+                <a:effectLst>
+                  <a:outerShdw blurRad="38100" dist="38100" dir="2700000" algn="tl">
+                    <a:srgbClr val="000000">
+                      <a:alpha val="43137"/>
+                    </a:srgbClr>
+                  </a:outerShdw>
+                </a:effectLst>
+                <a:latin typeface="Comic Sans MS" panose="030F0702030302020204" pitchFamily="66" charset="0"/>
+              </a:rPr>
+              <a:t>разработчик</a:t>
+            </a:r>
+            <a:endParaRPr lang="ru-RU" sz="3200">
+              <a:solidFill>
+                <a:schemeClr val="bg1">
+                  <a:lumMod val="95000"/>
+                </a:schemeClr>
+              </a:solidFill>
+              <a:effectLst>
+                <a:outerShdw blurRad="38100" dist="38100" dir="2700000" algn="tl">
+                  <a:srgbClr val="000000">
+                    <a:alpha val="43137"/>
+                  </a:srgbClr>
+                </a:outerShdw>
+              </a:effectLst>
+              <a:latin typeface="Comic Sans MS" panose="030F0702030302020204" pitchFamily="66" charset="0"/>
+            </a:endParaRPr>
+          </a:p>
+        </p:txBody>
+      </p:sp>
+      <p:sp>
+        <p:nvSpPr>
+          <p:cNvPr id="10" name="Скругленный прямоугольник 9">
+            <a:hlinkClick r:id="rId5" action="ppaction://hlinksldjump"/>
+          </p:cNvPr>
+          <p:cNvSpPr/>
+          <p:nvPr/>
+        </p:nvSpPr>
+        <p:spPr>
+          <a:xfrm>
+            <a:off x="968375" y="3566130"/>
+            <a:ext cx="4819650" cy="1043349"/>
+          </a:xfrm>
+          <a:prstGeom prst="roundRect">
+            <a:avLst/>
+          </a:prstGeom>
+          <a:solidFill>
+            <a:schemeClr val="bg1">
+              <a:lumMod val="95000"/>
+              <a:alpha val="55000"/>
+            </a:schemeClr>
+          </a:solidFill>
+          <a:ln>
+            <a:noFill/>
+          </a:ln>
+        </p:spPr>
+        <p:style>
+          <a:lnRef idx="2">
+            <a:schemeClr val="accent1">
+              <a:shade val="50000"/>
+            </a:schemeClr>
+          </a:lnRef>
+          <a:fillRef idx="1">
+            <a:schemeClr val="accent1"/>
+          </a:fillRef>
+          <a:effectRef idx="0">
+            <a:schemeClr val="accent1"/>
+          </a:effectRef>
+          <a:fontRef idx="minor">
+            <a:schemeClr val="lt1"/>
+          </a:fontRef>
+        </p:style>
+        <p:txBody>
+          <a:bodyPr rtlCol="0" anchor="ctr"/>
+          <a:lstStyle/>
+          <a:p>
+            <a:r>
+              <a:rPr lang="en-US" sz="3200">
+                <a:solidFill>
+                  <a:schemeClr val="bg1">
+                    <a:lumMod val="95000"/>
+                  </a:schemeClr>
+                </a:solidFill>
+                <a:effectLst>
+                  <a:outerShdw blurRad="38100" dist="38100" dir="2700000" algn="tl">
+                    <a:srgbClr val="000000">
+                      <a:alpha val="43137"/>
+                    </a:srgbClr>
+                  </a:outerShdw>
+                </a:effectLst>
+                <a:latin typeface="Comic Sans MS" panose="030F0702030302020204" pitchFamily="66" charset="0"/>
+              </a:rPr>
+              <a:t>Frontend </a:t>
+            </a:r>
+            <a:r>
+              <a:rPr lang="ru-RU" sz="3200">
+                <a:solidFill>
+                  <a:schemeClr val="bg1">
+                    <a:lumMod val="95000"/>
+                  </a:schemeClr>
+                </a:solidFill>
+                <a:effectLst>
+                  <a:outerShdw blurRad="38100" dist="38100" dir="2700000" algn="tl">
+                    <a:srgbClr val="000000">
+                      <a:alpha val="43137"/>
+                    </a:srgbClr>
+                  </a:outerShdw>
+                </a:effectLst>
+                <a:latin typeface="Comic Sans MS" panose="030F0702030302020204" pitchFamily="66" charset="0"/>
+              </a:rPr>
+              <a:t>разработчик</a:t>
+            </a:r>
+            <a:endParaRPr lang="ru-RU" sz="3200" dirty="0">
+              <a:solidFill>
+                <a:schemeClr val="bg1">
+                  <a:lumMod val="95000"/>
+                </a:schemeClr>
+              </a:solidFill>
+              <a:effectLst>
+                <a:outerShdw blurRad="38100" dist="38100" dir="2700000" algn="tl">
+                  <a:srgbClr val="000000">
+                    <a:alpha val="43137"/>
+                  </a:srgbClr>
+                </a:outerShdw>
+              </a:effectLst>
+              <a:latin typeface="Comic Sans MS" panose="030F0702030302020204" pitchFamily="66" charset="0"/>
+            </a:endParaRPr>
+          </a:p>
+        </p:txBody>
+      </p:sp>
+      <p:sp>
+        <p:nvSpPr>
+          <p:cNvPr id="11" name="Скругленный прямоугольник 10">
+            <a:hlinkClick r:id="rId6" action="ppaction://hlinksldjump"/>
+          </p:cNvPr>
+          <p:cNvSpPr/>
+          <p:nvPr/>
+        </p:nvSpPr>
+        <p:spPr>
+          <a:xfrm>
+            <a:off x="968375" y="2067839"/>
+            <a:ext cx="4819650" cy="1043349"/>
+          </a:xfrm>
+          <a:prstGeom prst="roundRect">
+            <a:avLst/>
+          </a:prstGeom>
+          <a:solidFill>
+            <a:schemeClr val="bg1">
+              <a:lumMod val="95000"/>
+              <a:alpha val="55000"/>
+            </a:schemeClr>
+          </a:solidFill>
+          <a:ln>
+            <a:noFill/>
+          </a:ln>
+        </p:spPr>
+        <p:style>
+          <a:lnRef idx="2">
+            <a:schemeClr val="accent1">
+              <a:shade val="50000"/>
+            </a:schemeClr>
+          </a:lnRef>
+          <a:fillRef idx="1">
+            <a:schemeClr val="accent1"/>
+          </a:fillRef>
+          <a:effectRef idx="0">
+            <a:schemeClr val="accent1"/>
+          </a:effectRef>
+          <a:fontRef idx="minor">
+            <a:schemeClr val="lt1"/>
+          </a:fontRef>
+        </p:style>
+        <p:txBody>
+          <a:bodyPr rtlCol="0" anchor="ctr"/>
+          <a:lstStyle/>
+          <a:p>
+            <a:r>
+              <a:rPr lang="en-US" sz="3200">
+                <a:solidFill>
+                  <a:schemeClr val="bg1">
+                    <a:lumMod val="95000"/>
+                  </a:schemeClr>
+                </a:solidFill>
+                <a:effectLst>
+                  <a:outerShdw blurRad="38100" dist="38100" dir="2700000" algn="tl">
+                    <a:srgbClr val="000000">
+                      <a:alpha val="43137"/>
+                    </a:srgbClr>
+                  </a:outerShdw>
+                </a:effectLst>
                 <a:latin typeface="Comic Sans MS" panose="030F0702030302020204" pitchFamily="66" charset="0"/>
               </a:rPr>
               <a:t>Web-</a:t>
             </a:r>
             <a:r>
-              <a:rPr lang="ru-RU" sz="5400" dirty="0" smtClean="0">
+              <a:rPr lang="ru-RU" sz="3200">
                 <a:solidFill>
-                  <a:schemeClr val="accent2">
-                    <a:lumMod val="75000"/>
+                  <a:schemeClr val="bg1">
+                    <a:lumMod val="95000"/>
                   </a:schemeClr>
                 </a:solidFill>
+                <a:effectLst>
+                  <a:outerShdw blurRad="38100" dist="38100" dir="2700000" algn="tl">
+                    <a:srgbClr val="000000">
+                      <a:alpha val="43137"/>
+                    </a:srgbClr>
+                  </a:outerShdw>
+                </a:effectLst>
                 <a:latin typeface="Comic Sans MS" panose="030F0702030302020204" pitchFamily="66" charset="0"/>
               </a:rPr>
               <a:t>дизайнер</a:t>
             </a:r>
-            <a:endParaRPr lang="ru-RU" sz="5400" dirty="0">
+            <a:endParaRPr lang="ru-RU" sz="3200">
               <a:solidFill>
-                <a:schemeClr val="accent2">
-                  <a:lumMod val="75000"/>
+                <a:schemeClr val="bg1">
+                  <a:lumMod val="95000"/>
                 </a:schemeClr>
               </a:solidFill>
+              <a:effectLst>
+                <a:outerShdw blurRad="38100" dist="38100" dir="2700000" algn="tl">
+                  <a:srgbClr val="000000">
+                    <a:alpha val="43137"/>
+                  </a:srgbClr>
+                </a:outerShdw>
+              </a:effectLst>
+              <a:latin typeface="Comic Sans MS" panose="030F0702030302020204" pitchFamily="66" charset="0"/>
+              <a:hlinkClick r:id="rId3" action="ppaction://hlinksldjump"/>
+            </a:endParaRPr>
+          </a:p>
+        </p:txBody>
+      </p:sp>
+    </p:spTree>
+    <p:extLst>
+      <p:ext uri="{BB962C8B-B14F-4D97-AF65-F5344CB8AC3E}">
+        <p14:creationId xmlns:p14="http://schemas.microsoft.com/office/powerpoint/2010/main" val="4030040135"/>
+      </p:ext>
+    </p:extLst>
+  </p:cSld>
+  <p:clrMapOvr>
+    <a:masterClrMapping/>
+  </p:clrMapOvr>
+  <mc:AlternateContent xmlns:mc="http://schemas.openxmlformats.org/markup-compatibility/2006" xmlns:p14="http://schemas.microsoft.com/office/powerpoint/2010/main">
+    <mc:Choice Requires="p14">
+      <p:transition spd="med" p14:dur="700">
+        <p:fade/>
+      </p:transition>
+    </mc:Choice>
+    <mc:Fallback xmlns="">
+      <p:transition spd="med">
+        <p:fade/>
+      </p:transition>
+    </mc:Fallback>
+  </mc:AlternateContent>
+  <p:timing>
+    <p:tnLst>
+      <p:par>
+        <p:cTn id="1" dur="indefinite" restart="never" nodeType="tmRoot">
+          <p:childTnLst>
+            <p:seq concurrent="1" nextAc="seek">
+              <p:cTn id="2" dur="indefinite" nodeType="mainSeq">
+                <p:childTnLst>
+                  <p:par>
+                    <p:cTn id="3" fill="hold">
+                      <p:stCondLst>
+                        <p:cond delay="indefinite"/>
+                        <p:cond evt="onBegin" delay="0">
+                          <p:tn val="2"/>
+                        </p:cond>
+                      </p:stCondLst>
+                      <p:childTnLst>
+                        <p:par>
+                          <p:cTn id="4" fill="hold">
+                            <p:stCondLst>
+                              <p:cond delay="0"/>
+                            </p:stCondLst>
+                            <p:childTnLst>
+                              <p:par>
+                                <p:cTn id="5" presetID="10" presetClass="entr" presetSubtype="0" fill="hold" grpId="0" nodeType="afterEffect">
+                                  <p:stCondLst>
+                                    <p:cond delay="200"/>
+                                  </p:stCondLst>
+                                  <p:childTnLst>
+                                    <p:set>
+                                      <p:cBhvr>
+                                        <p:cTn id="6" dur="1" fill="hold">
+                                          <p:stCondLst>
+                                            <p:cond delay="0"/>
+                                          </p:stCondLst>
+                                        </p:cTn>
+                                        <p:tgtEl>
+                                          <p:spTgt spid="4"/>
+                                        </p:tgtEl>
+                                        <p:attrNameLst>
+                                          <p:attrName>style.visibility</p:attrName>
+                                        </p:attrNameLst>
+                                      </p:cBhvr>
+                                      <p:to>
+                                        <p:strVal val="visible"/>
+                                      </p:to>
+                                    </p:set>
+                                    <p:animEffect transition="in" filter="fade">
+                                      <p:cBhvr>
+                                        <p:cTn id="7" dur="500"/>
+                                        <p:tgtEl>
+                                          <p:spTgt spid="4"/>
+                                        </p:tgtEl>
+                                      </p:cBhvr>
+                                    </p:animEffect>
+                                  </p:childTnLst>
+                                </p:cTn>
+                              </p:par>
+                            </p:childTnLst>
+                          </p:cTn>
+                        </p:par>
+                        <p:par>
+                          <p:cTn id="8" fill="hold">
+                            <p:stCondLst>
+                              <p:cond delay="700"/>
+                            </p:stCondLst>
+                            <p:childTnLst>
+                              <p:par>
+                                <p:cTn id="9" presetID="10" presetClass="entr" presetSubtype="0" fill="hold" grpId="0" nodeType="afterEffect">
+                                  <p:stCondLst>
+                                    <p:cond delay="200"/>
+                                  </p:stCondLst>
+                                  <p:childTnLst>
+                                    <p:set>
+                                      <p:cBhvr>
+                                        <p:cTn id="10" dur="1" fill="hold">
+                                          <p:stCondLst>
+                                            <p:cond delay="0"/>
+                                          </p:stCondLst>
+                                        </p:cTn>
+                                        <p:tgtEl>
+                                          <p:spTgt spid="11"/>
+                                        </p:tgtEl>
+                                        <p:attrNameLst>
+                                          <p:attrName>style.visibility</p:attrName>
+                                        </p:attrNameLst>
+                                      </p:cBhvr>
+                                      <p:to>
+                                        <p:strVal val="visible"/>
+                                      </p:to>
+                                    </p:set>
+                                    <p:animEffect transition="in" filter="fade">
+                                      <p:cBhvr>
+                                        <p:cTn id="11" dur="500"/>
+                                        <p:tgtEl>
+                                          <p:spTgt spid="11"/>
+                                        </p:tgtEl>
+                                      </p:cBhvr>
+                                    </p:animEffect>
+                                  </p:childTnLst>
+                                </p:cTn>
+                              </p:par>
+                              <p:par>
+                                <p:cTn id="12" presetID="10" presetClass="entr" presetSubtype="0" fill="hold" grpId="0" nodeType="withEffect">
+                                  <p:stCondLst>
+                                    <p:cond delay="200"/>
+                                  </p:stCondLst>
+                                  <p:childTnLst>
+                                    <p:set>
+                                      <p:cBhvr>
+                                        <p:cTn id="13" dur="1" fill="hold">
+                                          <p:stCondLst>
+                                            <p:cond delay="0"/>
+                                          </p:stCondLst>
+                                        </p:cTn>
+                                        <p:tgtEl>
+                                          <p:spTgt spid="9"/>
+                                        </p:tgtEl>
+                                        <p:attrNameLst>
+                                          <p:attrName>style.visibility</p:attrName>
+                                        </p:attrNameLst>
+                                      </p:cBhvr>
+                                      <p:to>
+                                        <p:strVal val="visible"/>
+                                      </p:to>
+                                    </p:set>
+                                    <p:animEffect transition="in" filter="fade">
+                                      <p:cBhvr>
+                                        <p:cTn id="14" dur="500"/>
+                                        <p:tgtEl>
+                                          <p:spTgt spid="9"/>
+                                        </p:tgtEl>
+                                      </p:cBhvr>
+                                    </p:animEffect>
+                                  </p:childTnLst>
+                                </p:cTn>
+                              </p:par>
+                              <p:par>
+                                <p:cTn id="15" presetID="10" presetClass="entr" presetSubtype="0" fill="hold" grpId="0" nodeType="withEffect">
+                                  <p:stCondLst>
+                                    <p:cond delay="200"/>
+                                  </p:stCondLst>
+                                  <p:childTnLst>
+                                    <p:set>
+                                      <p:cBhvr>
+                                        <p:cTn id="16" dur="1" fill="hold">
+                                          <p:stCondLst>
+                                            <p:cond delay="0"/>
+                                          </p:stCondLst>
+                                        </p:cTn>
+                                        <p:tgtEl>
+                                          <p:spTgt spid="10"/>
+                                        </p:tgtEl>
+                                        <p:attrNameLst>
+                                          <p:attrName>style.visibility</p:attrName>
+                                        </p:attrNameLst>
+                                      </p:cBhvr>
+                                      <p:to>
+                                        <p:strVal val="visible"/>
+                                      </p:to>
+                                    </p:set>
+                                    <p:animEffect transition="in" filter="fade">
+                                      <p:cBhvr>
+                                        <p:cTn id="17" dur="500"/>
+                                        <p:tgtEl>
+                                          <p:spTgt spid="10"/>
+                                        </p:tgtEl>
+                                      </p:cBhvr>
+                                    </p:animEffect>
+                                  </p:childTnLst>
+                                </p:cTn>
+                              </p:par>
+                              <p:par>
+                                <p:cTn id="18" presetID="10" presetClass="entr" presetSubtype="0" fill="hold" grpId="0" nodeType="withEffect">
+                                  <p:stCondLst>
+                                    <p:cond delay="200"/>
+                                  </p:stCondLst>
+                                  <p:childTnLst>
+                                    <p:set>
+                                      <p:cBhvr>
+                                        <p:cTn id="19" dur="1" fill="hold">
+                                          <p:stCondLst>
+                                            <p:cond delay="0"/>
+                                          </p:stCondLst>
+                                        </p:cTn>
+                                        <p:tgtEl>
+                                          <p:spTgt spid="8"/>
+                                        </p:tgtEl>
+                                        <p:attrNameLst>
+                                          <p:attrName>style.visibility</p:attrName>
+                                        </p:attrNameLst>
+                                      </p:cBhvr>
+                                      <p:to>
+                                        <p:strVal val="visible"/>
+                                      </p:to>
+                                    </p:set>
+                                    <p:animEffect transition="in" filter="fade">
+                                      <p:cBhvr>
+                                        <p:cTn id="20" dur="500"/>
+                                        <p:tgtEl>
+                                          <p:spTgt spid="8"/>
+                                        </p:tgtEl>
+                                      </p:cBhvr>
+                                    </p:animEffect>
+                                  </p:childTnLst>
+                                </p:cTn>
+                              </p:par>
+                            </p:childTnLst>
+                          </p:cTn>
+                        </p:par>
+                      </p:childTnLst>
+                    </p:cTn>
+                  </p:par>
+                </p:childTnLst>
+              </p:cTn>
+              <p:prevCondLst>
+                <p:cond evt="onPrev" delay="0">
+                  <p:tgtEl>
+                    <p:sldTgt/>
+                  </p:tgtEl>
+                </p:cond>
+              </p:prevCondLst>
+              <p:nextCondLst>
+                <p:cond evt="onNext" delay="0">
+                  <p:tgtEl>
+                    <p:sldTgt/>
+                  </p:tgtEl>
+                </p:cond>
+              </p:nextCondLst>
+            </p:seq>
+          </p:childTnLst>
+        </p:cTn>
+      </p:par>
+    </p:tnLst>
+    <p:bldLst>
+      <p:bldP spid="4" grpId="0" animBg="1"/>
+      <p:bldP spid="8" grpId="0" animBg="1"/>
+      <p:bldP spid="9" grpId="0" animBg="1"/>
+      <p:bldP spid="10" grpId="0" animBg="1"/>
+      <p:bldP spid="11" grpId="0" animBg="1"/>
+    </p:bldLst>
+  </p:timing>
+</p:sld>
+</file>
+
+<file path=ppt/slides/slide3.xml><?xml version="1.0" encoding="utf-8"?>
+<p:sld xmlns:a="http://schemas.openxmlformats.org/drawingml/2006/main" xmlns:r="http://schemas.openxmlformats.org/officeDocument/2006/relationships" xmlns:p="http://schemas.openxmlformats.org/presentationml/2006/main">
+  <p:cSld>
+    <p:bg>
+      <p:bgPr>
+        <a:blipFill dpi="0" rotWithShape="1">
+          <a:blip r:embed="rId2">
+            <a:lum/>
+          </a:blip>
+          <a:srcRect/>
+          <a:stretch>
+            <a:fillRect t="-8000" b="-8000"/>
+          </a:stretch>
+        </a:blipFill>
+        <a:effectLst/>
+      </p:bgPr>
+    </p:bg>
+    <p:spTree>
+      <p:nvGrpSpPr>
+        <p:cNvPr id="1" name=""/>
+        <p:cNvGrpSpPr/>
+        <p:nvPr/>
+      </p:nvGrpSpPr>
+      <p:grpSpPr>
+        <a:xfrm>
+          <a:off x="0" y="0"/>
+          <a:ext cx="0" cy="0"/>
+          <a:chOff x="0" y="0"/>
+          <a:chExt cx="0" cy="0"/>
+        </a:xfrm>
+      </p:grpSpPr>
+      <p:sp>
+        <p:nvSpPr>
+          <p:cNvPr id="6" name="Скругленный прямоугольник 5"/>
+          <p:cNvSpPr/>
+          <p:nvPr/>
+        </p:nvSpPr>
+        <p:spPr>
+          <a:xfrm>
+            <a:off x="3673475" y="681592"/>
+            <a:ext cx="4819650" cy="1043349"/>
+          </a:xfrm>
+          <a:prstGeom prst="roundRect">
+            <a:avLst/>
+          </a:prstGeom>
+          <a:solidFill>
+            <a:schemeClr val="bg1">
+              <a:lumMod val="95000"/>
+              <a:alpha val="55000"/>
+            </a:schemeClr>
+          </a:solidFill>
+          <a:ln>
+            <a:noFill/>
+          </a:ln>
+        </p:spPr>
+        <p:style>
+          <a:lnRef idx="2">
+            <a:schemeClr val="accent1">
+              <a:shade val="50000"/>
+            </a:schemeClr>
+          </a:lnRef>
+          <a:fillRef idx="1">
+            <a:schemeClr val="accent1"/>
+          </a:fillRef>
+          <a:effectRef idx="0">
+            <a:schemeClr val="accent1"/>
+          </a:effectRef>
+          <a:fontRef idx="minor">
+            <a:schemeClr val="lt1"/>
+          </a:fontRef>
+        </p:style>
+        <p:txBody>
+          <a:bodyPr rtlCol="0" anchor="ctr"/>
+          <a:lstStyle/>
+          <a:p>
+            <a:pPr algn="ctr"/>
+            <a:r>
+              <a:rPr lang="en-US" sz="3200" smtClean="0">
+                <a:solidFill>
+                  <a:schemeClr val="bg1"/>
+                </a:solidFill>
+                <a:effectLst>
+                  <a:outerShdw blurRad="38100" dist="38100" dir="2700000" algn="tl">
+                    <a:srgbClr val="000000">
+                      <a:alpha val="43137"/>
+                    </a:srgbClr>
+                  </a:outerShdw>
+                </a:effectLst>
+                <a:latin typeface="Comic Sans MS" panose="030F0702030302020204" pitchFamily="66" charset="0"/>
+              </a:rPr>
+              <a:t>Web-</a:t>
+            </a:r>
+            <a:r>
+              <a:rPr lang="ru-RU" sz="3200" smtClean="0">
+                <a:solidFill>
+                  <a:schemeClr val="bg1"/>
+                </a:solidFill>
+                <a:effectLst>
+                  <a:outerShdw blurRad="38100" dist="38100" dir="2700000" algn="tl">
+                    <a:srgbClr val="000000">
+                      <a:alpha val="43137"/>
+                    </a:srgbClr>
+                  </a:outerShdw>
+                </a:effectLst>
+                <a:latin typeface="Comic Sans MS" panose="030F0702030302020204" pitchFamily="66" charset="0"/>
+              </a:rPr>
+              <a:t>дизайнер</a:t>
+            </a:r>
+            <a:endParaRPr lang="ru-RU" sz="3200" dirty="0">
+              <a:solidFill>
+                <a:schemeClr val="bg1"/>
+              </a:solidFill>
+              <a:effectLst>
+                <a:outerShdw blurRad="38100" dist="38100" dir="2700000" algn="tl">
+                  <a:srgbClr val="000000">
+                    <a:alpha val="43137"/>
+                  </a:srgbClr>
+                </a:outerShdw>
+              </a:effectLst>
               <a:latin typeface="Comic Sans MS" panose="030F0702030302020204" pitchFamily="66" charset="0"/>
             </a:endParaRPr>
           </a:p>
@@ -3640,141 +4225,101 @@
       </p:sp>
       <p:sp>
         <p:nvSpPr>
-          <p:cNvPr id="3" name="Объект 2"/>
-          <p:cNvSpPr>
-            <a:spLocks noGrp="1"/>
-          </p:cNvSpPr>
-          <p:nvPr>
-            <p:ph idx="1"/>
-          </p:nvPr>
-        </p:nvSpPr>
-        <p:spPr/>
-        <p:txBody>
-          <a:bodyPr>
-            <a:normAutofit fontScale="85000" lnSpcReduction="20000"/>
-          </a:bodyPr>
+          <p:cNvPr id="7" name="Скругленный прямоугольник 6"/>
+          <p:cNvSpPr/>
+          <p:nvPr/>
+        </p:nvSpPr>
+        <p:spPr>
+          <a:xfrm>
+            <a:off x="920733" y="2413000"/>
+            <a:ext cx="10350533" cy="3733800"/>
+          </a:xfrm>
+          <a:prstGeom prst="roundRect">
+            <a:avLst/>
+          </a:prstGeom>
+          <a:solidFill>
+            <a:schemeClr val="bg1">
+              <a:lumMod val="95000"/>
+              <a:alpha val="55000"/>
+            </a:schemeClr>
+          </a:solidFill>
+          <a:ln>
+            <a:noFill/>
+          </a:ln>
+        </p:spPr>
+        <p:style>
+          <a:lnRef idx="2">
+            <a:schemeClr val="accent1">
+              <a:shade val="50000"/>
+            </a:schemeClr>
+          </a:lnRef>
+          <a:fillRef idx="1">
+            <a:schemeClr val="accent1"/>
+          </a:fillRef>
+          <a:effectRef idx="0">
+            <a:schemeClr val="accent1"/>
+          </a:effectRef>
+          <a:fontRef idx="minor">
+            <a:schemeClr val="lt1"/>
+          </a:fontRef>
+        </p:style>
+        <p:txBody>
+          <a:bodyPr rtlCol="0" anchor="ctr"/>
           <a:lstStyle/>
           <a:p>
             <a:pPr algn="just" fontAlgn="t"/>
             <a:r>
-              <a:rPr lang="ru-RU" dirty="0" err="1" smtClean="0">
+              <a:rPr lang="ru-RU">
                 <a:solidFill>
-                  <a:schemeClr val="accent6">
-                    <a:lumMod val="75000"/>
+                  <a:schemeClr val="bg1">
+                    <a:lumMod val="95000"/>
                   </a:schemeClr>
                 </a:solidFill>
+                <a:effectLst>
+                  <a:outerShdw blurRad="38100" dist="38100" dir="2700000" algn="tl">
+                    <a:srgbClr val="000000">
+                      <a:alpha val="43137"/>
+                    </a:srgbClr>
+                  </a:outerShdw>
+                </a:effectLst>
                 <a:latin typeface="Comic Sans MS" panose="030F0702030302020204" pitchFamily="66" charset="0"/>
               </a:rPr>
-              <a:t>Web</a:t>
-            </a:r>
-            <a:r>
-              <a:rPr lang="ru-RU" dirty="0" smtClean="0">
+              <a:t>Web-дизайнер – это специалист в области компьютерных технологий, который отвечает за то, как выглядит и воспринимается Интернет-сайт. Он придумывает логотипы, баннеры и другие элементы графики, продумывает навигацию по сайту, определяет, где следует разместить текст. Дизайнеру необходимо не только создавать интересный сайт, но и учитывать время его загрузки. Он работает в тесном контакте со специалистами по маркетингу и бренд-менеджерами, что позволяет создавать эффективный сайт.</a:t>
+            </a:r>
+          </a:p>
+          <a:p>
+            <a:pPr algn="just" fontAlgn="t"/>
+            <a:r>
+              <a:rPr lang="ru-RU">
                 <a:solidFill>
-                  <a:schemeClr val="accent6">
-                    <a:lumMod val="75000"/>
+                  <a:schemeClr val="bg1">
+                    <a:lumMod val="95000"/>
                   </a:schemeClr>
                 </a:solidFill>
+                <a:effectLst>
+                  <a:outerShdw blurRad="38100" dist="38100" dir="2700000" algn="tl">
+                    <a:srgbClr val="000000">
+                      <a:alpha val="43137"/>
+                    </a:srgbClr>
+                  </a:outerShdw>
+                </a:effectLst>
                 <a:latin typeface="Comic Sans MS" panose="030F0702030302020204" pitchFamily="66" charset="0"/>
               </a:rPr>
-              <a:t>-дизайнер </a:t>
-            </a:r>
-            <a:r>
-              <a:rPr lang="ru-RU" dirty="0">
-                <a:solidFill>
-                  <a:schemeClr val="accent6">
-                    <a:lumMod val="75000"/>
-                  </a:schemeClr>
-                </a:solidFill>
-                <a:latin typeface="Comic Sans MS" panose="030F0702030302020204" pitchFamily="66" charset="0"/>
-              </a:rPr>
-              <a:t>– это специалист в области компьютерных технологий, который отвечает за то, как выглядит и воспринимается Интернет-сайт. Он придумывает логотипы, баннеры и другие элементы графики, продумывает навигацию по сайту, определяет, где следует разместить текст. Дизайнеру необходимо не только создавать интересный сайт, но и учитывать время его загрузки. Он работает в тесном контакте со специалистами по маркетингу и бренд-менеджерами, что позволяет создавать эффективный сайт.</a:t>
-            </a:r>
-          </a:p>
-          <a:p>
-            <a:pPr algn="just" fontAlgn="t"/>
-            <a:r>
-              <a:rPr lang="ru-RU" dirty="0" smtClean="0">
-                <a:solidFill>
-                  <a:schemeClr val="accent6">
-                    <a:lumMod val="75000"/>
-                  </a:schemeClr>
-                </a:solidFill>
-                <a:latin typeface="Comic Sans MS" panose="030F0702030302020204" pitchFamily="66" charset="0"/>
-              </a:rPr>
-              <a:t>Профессия </a:t>
-            </a:r>
-            <a:r>
-              <a:rPr lang="ru-RU" dirty="0">
-                <a:solidFill>
-                  <a:schemeClr val="accent6">
-                    <a:lumMod val="75000"/>
-                  </a:schemeClr>
-                </a:solidFill>
-                <a:latin typeface="Comic Sans MS" panose="030F0702030302020204" pitchFamily="66" charset="0"/>
-              </a:rPr>
-              <a:t>веб-дизайнера связана и с современными технологиями, и с творчеством. Этот специалист занимается оформлением проектов в интернете: разрабатывает дизайн сайтов, промо-страниц, лэндингов, электронных презентаций. </a:t>
-            </a:r>
-            <a:r>
-              <a:rPr lang="ru-RU" dirty="0" err="1">
-                <a:solidFill>
-                  <a:schemeClr val="accent6">
-                    <a:lumMod val="75000"/>
-                  </a:schemeClr>
-                </a:solidFill>
-                <a:latin typeface="Comic Sans MS" panose="030F0702030302020204" pitchFamily="66" charset="0"/>
-              </a:rPr>
-              <a:t>Web</a:t>
-            </a:r>
-            <a:r>
-              <a:rPr lang="ru-RU" dirty="0">
-                <a:solidFill>
-                  <a:schemeClr val="accent6">
-                    <a:lumMod val="75000"/>
-                  </a:schemeClr>
-                </a:solidFill>
-                <a:latin typeface="Comic Sans MS" panose="030F0702030302020204" pitchFamily="66" charset="0"/>
-              </a:rPr>
-              <a:t>-дизайнер создаёт логотипы, баннеры, </a:t>
-            </a:r>
-            <a:r>
-              <a:rPr lang="ru-RU" dirty="0" err="1">
-                <a:solidFill>
-                  <a:schemeClr val="accent6">
-                    <a:lumMod val="75000"/>
-                  </a:schemeClr>
-                </a:solidFill>
-                <a:latin typeface="Comic Sans MS" panose="030F0702030302020204" pitchFamily="66" charset="0"/>
-              </a:rPr>
-              <a:t>инфографику</a:t>
-            </a:r>
-            <a:r>
-              <a:rPr lang="ru-RU" dirty="0">
-                <a:solidFill>
-                  <a:schemeClr val="accent6">
-                    <a:lumMod val="75000"/>
-                  </a:schemeClr>
-                </a:solidFill>
-                <a:latin typeface="Comic Sans MS" panose="030F0702030302020204" pitchFamily="66" charset="0"/>
-              </a:rPr>
-              <a:t> и другие графические элементы страницы, продумывает размещение текста</a:t>
-            </a:r>
-            <a:r>
-              <a:rPr lang="ru-RU" dirty="0" smtClean="0">
-                <a:solidFill>
-                  <a:schemeClr val="accent6">
-                    <a:lumMod val="75000"/>
-                  </a:schemeClr>
-                </a:solidFill>
-                <a:latin typeface="Comic Sans MS" panose="030F0702030302020204" pitchFamily="66" charset="0"/>
-              </a:rPr>
-              <a:t>.</a:t>
+              <a:t>Профессия веб-дизайнера связана и с современными технологиями, и с творчеством. Этот специалист занимается оформлением проектов в интернете: разрабатывает дизайн сайтов, промо-страниц, лэндингов, электронных презентаций. Web-дизайнер создаёт логотипы, баннеры, инфографику и другие графические элементы страницы, продумывает размещение текста.</a:t>
             </a:r>
             <a:endParaRPr lang="ru-RU" dirty="0">
               <a:solidFill>
-                <a:schemeClr val="accent6">
-                  <a:lumMod val="75000"/>
+                <a:schemeClr val="bg1">
+                  <a:lumMod val="95000"/>
                 </a:schemeClr>
               </a:solidFill>
+              <a:effectLst>
+                <a:outerShdw blurRad="38100" dist="38100" dir="2700000" algn="tl">
+                  <a:srgbClr val="000000">
+                    <a:alpha val="43137"/>
+                  </a:srgbClr>
+                </a:outerShdw>
+              </a:effectLst>
               <a:latin typeface="Comic Sans MS" panose="030F0702030302020204" pitchFamily="66" charset="0"/>
             </a:endParaRPr>
           </a:p>
@@ -3805,9 +4350,136 @@
   <p:timing>
     <p:tnLst>
       <p:par>
-        <p:cTn id="1" dur="indefinite" restart="never" nodeType="tmRoot"/>
+        <p:cTn id="1" dur="indefinite" restart="never" nodeType="tmRoot">
+          <p:childTnLst>
+            <p:seq concurrent="1" nextAc="seek">
+              <p:cTn id="2" dur="indefinite" nodeType="mainSeq">
+                <p:childTnLst>
+                  <p:par>
+                    <p:cTn id="3" fill="hold">
+                      <p:stCondLst>
+                        <p:cond delay="indefinite"/>
+                        <p:cond evt="onBegin" delay="0">
+                          <p:tn val="2"/>
+                        </p:cond>
+                      </p:stCondLst>
+                      <p:childTnLst>
+                        <p:par>
+                          <p:cTn id="4" fill="hold">
+                            <p:stCondLst>
+                              <p:cond delay="0"/>
+                            </p:stCondLst>
+                            <p:childTnLst>
+                              <p:par>
+                                <p:cTn id="5" presetID="10" presetClass="entr" presetSubtype="0" fill="hold" grpId="0" nodeType="afterEffect">
+                                  <p:stCondLst>
+                                    <p:cond delay="200"/>
+                                  </p:stCondLst>
+                                  <p:childTnLst>
+                                    <p:set>
+                                      <p:cBhvr>
+                                        <p:cTn id="6" dur="1" fill="hold">
+                                          <p:stCondLst>
+                                            <p:cond delay="0"/>
+                                          </p:stCondLst>
+                                        </p:cTn>
+                                        <p:tgtEl>
+                                          <p:spTgt spid="6"/>
+                                        </p:tgtEl>
+                                        <p:attrNameLst>
+                                          <p:attrName>style.visibility</p:attrName>
+                                        </p:attrNameLst>
+                                      </p:cBhvr>
+                                      <p:to>
+                                        <p:strVal val="visible"/>
+                                      </p:to>
+                                    </p:set>
+                                    <p:animEffect transition="in" filter="fade">
+                                      <p:cBhvr>
+                                        <p:cTn id="7" dur="500"/>
+                                        <p:tgtEl>
+                                          <p:spTgt spid="6"/>
+                                        </p:tgtEl>
+                                      </p:cBhvr>
+                                    </p:animEffect>
+                                  </p:childTnLst>
+                                </p:cTn>
+                              </p:par>
+                            </p:childTnLst>
+                          </p:cTn>
+                        </p:par>
+                        <p:par>
+                          <p:cTn id="8" fill="hold">
+                            <p:stCondLst>
+                              <p:cond delay="700"/>
+                            </p:stCondLst>
+                            <p:childTnLst>
+                              <p:par>
+                                <p:cTn id="9" presetID="10" presetClass="entr" presetSubtype="0" fill="hold" grpId="0" nodeType="afterEffect">
+                                  <p:stCondLst>
+                                    <p:cond delay="200"/>
+                                  </p:stCondLst>
+                                  <p:childTnLst>
+                                    <p:set>
+                                      <p:cBhvr>
+                                        <p:cTn id="10" dur="1" fill="hold">
+                                          <p:stCondLst>
+                                            <p:cond delay="0"/>
+                                          </p:stCondLst>
+                                        </p:cTn>
+                                        <p:tgtEl>
+                                          <p:spTgt spid="7"/>
+                                        </p:tgtEl>
+                                        <p:attrNameLst>
+                                          <p:attrName>style.visibility</p:attrName>
+                                        </p:attrNameLst>
+                                      </p:cBhvr>
+                                      <p:to>
+                                        <p:strVal val="visible"/>
+                                      </p:to>
+                                    </p:set>
+                                    <p:animEffect transition="in" filter="fade">
+                                      <p:cBhvr>
+                                        <p:cTn id="11" dur="500"/>
+                                        <p:tgtEl>
+                                          <p:spTgt spid="7"/>
+                                        </p:tgtEl>
+                                      </p:cBhvr>
+                                    </p:animEffect>
+                                  </p:childTnLst>
+                                </p:cTn>
+                              </p:par>
+                            </p:childTnLst>
+                          </p:cTn>
+                        </p:par>
+                      </p:childTnLst>
+                    </p:cTn>
+                  </p:par>
+                </p:childTnLst>
+              </p:cTn>
+              <p:prevCondLst>
+                <p:cond evt="onPrev" delay="0">
+                  <p:tgtEl>
+                    <p:sldTgt/>
+                  </p:tgtEl>
+                </p:cond>
+              </p:prevCondLst>
+              <p:nextCondLst>
+                <p:cond evt="onNext" delay="0">
+                  <p:tgtEl>
+                    <p:sldTgt/>
+                  </p:tgtEl>
+                </p:cond>
+              </p:nextCondLst>
+            </p:seq>
+          </p:childTnLst>
+        </p:cTn>
       </p:par>
     </p:tnLst>
+    <p:bldLst>
+      <p:bldP spid="6" grpId="0" animBg="1"/>
+      <p:bldP spid="7" grpId="0" animBg="1"/>
+    </p:bldLst>
   </p:timing>
 </p:sld>
 </file>
@@ -3823,7 +4495,7 @@
           </a:blip>
           <a:srcRect/>
           <a:stretch>
-            <a:fillRect t="-17000" b="-17000"/>
+            <a:fillRect t="-39000" b="-39000"/>
           </a:stretch>
         </a:blipFill>
         <a:effectLst/>
@@ -3845,22 +4517,22 @@
       </p:grpSpPr>
       <p:sp>
         <p:nvSpPr>
-          <p:cNvPr id="4" name="Прямоугольник 3"/>
+          <p:cNvPr id="5" name="Скругленный прямоугольник 4"/>
           <p:cNvSpPr/>
           <p:nvPr/>
         </p:nvSpPr>
         <p:spPr>
           <a:xfrm>
-            <a:off x="-1117600" y="-537029"/>
-            <a:ext cx="13556343" cy="7395029"/>
+            <a:off x="3673475" y="681592"/>
+            <a:ext cx="4819650" cy="1043349"/>
           </a:xfrm>
-          <a:prstGeom prst="rect">
+          <a:prstGeom prst="roundRect">
             <a:avLst/>
           </a:prstGeom>
           <a:solidFill>
             <a:schemeClr val="bg1">
-              <a:lumMod val="65000"/>
-              <a:alpha val="27000"/>
+              <a:lumMod val="95000"/>
+              <a:alpha val="55000"/>
             </a:schemeClr>
           </a:solidFill>
           <a:ln>
@@ -3888,61 +4560,55 @@
           <a:lstStyle/>
           <a:p>
             <a:pPr algn="ctr"/>
-            <a:endParaRPr lang="ru-RU"/>
-          </a:p>
-        </p:txBody>
-      </p:sp>
-      <p:sp>
-        <p:nvSpPr>
-          <p:cNvPr id="2" name="Заголовок 1"/>
-          <p:cNvSpPr>
-            <a:spLocks noGrp="1"/>
-          </p:cNvSpPr>
-          <p:nvPr>
-            <p:ph type="title"/>
-          </p:nvPr>
-        </p:nvSpPr>
-        <p:spPr>
-          <a:xfrm>
-            <a:off x="2714170" y="365125"/>
-            <a:ext cx="8639629" cy="1325563"/>
-          </a:xfrm>
-        </p:spPr>
-        <p:txBody>
-          <a:bodyPr/>
-          <a:lstStyle/>
-          <a:p>
-            <a:r>
-              <a:rPr lang="en-US" dirty="0" smtClean="0">
+            <a:r>
+              <a:rPr lang="en-US" sz="3200">
                 <a:solidFill>
-                  <a:schemeClr val="accent2">
-                    <a:lumMod val="60000"/>
-                    <a:lumOff val="40000"/>
+                  <a:schemeClr val="bg1">
+                    <a:lumMod val="95000"/>
                   </a:schemeClr>
                 </a:solidFill>
+                <a:effectLst>
+                  <a:outerShdw blurRad="38100" dist="38100" dir="2700000" algn="tl">
+                    <a:srgbClr val="000000">
+                      <a:alpha val="43137"/>
+                    </a:srgbClr>
+                  </a:outerShdw>
+                </a:effectLst>
                 <a:latin typeface="Comic Sans MS" panose="030F0702030302020204" pitchFamily="66" charset="0"/>
               </a:rPr>
               <a:t>QA </a:t>
             </a:r>
             <a:r>
-              <a:rPr lang="ru-RU" dirty="0" err="1" smtClean="0">
+              <a:rPr lang="ru-RU" sz="3200">
                 <a:solidFill>
-                  <a:schemeClr val="accent2">
-                    <a:lumMod val="60000"/>
-                    <a:lumOff val="40000"/>
+                  <a:schemeClr val="bg1">
+                    <a:lumMod val="95000"/>
                   </a:schemeClr>
                 </a:solidFill>
+                <a:effectLst>
+                  <a:outerShdw blurRad="38100" dist="38100" dir="2700000" algn="tl">
+                    <a:srgbClr val="000000">
+                      <a:alpha val="43137"/>
+                    </a:srgbClr>
+                  </a:outerShdw>
+                </a:effectLst>
                 <a:latin typeface="Comic Sans MS" panose="030F0702030302020204" pitchFamily="66" charset="0"/>
               </a:rPr>
               <a:t>Тесировщик</a:t>
             </a:r>
-            <a:endParaRPr lang="ru-RU" dirty="0">
+            <a:endParaRPr lang="ru-RU" sz="3200" dirty="0">
               <a:solidFill>
-                <a:schemeClr val="accent2">
-                  <a:lumMod val="60000"/>
-                  <a:lumOff val="40000"/>
+                <a:schemeClr val="bg1">
+                  <a:lumMod val="95000"/>
                 </a:schemeClr>
               </a:solidFill>
+              <a:effectLst>
+                <a:outerShdw blurRad="38100" dist="38100" dir="2700000" algn="tl">
+                  <a:srgbClr val="000000">
+                    <a:alpha val="43137"/>
+                  </a:srgbClr>
+                </a:outerShdw>
+              </a:effectLst>
               <a:latin typeface="Comic Sans MS" panose="030F0702030302020204" pitchFamily="66" charset="0"/>
             </a:endParaRPr>
           </a:p>
@@ -3950,133 +4616,140 @@
       </p:sp>
       <p:sp>
         <p:nvSpPr>
-          <p:cNvPr id="3" name="Объект 2"/>
-          <p:cNvSpPr>
-            <a:spLocks noGrp="1"/>
-          </p:cNvSpPr>
-          <p:nvPr>
-            <p:ph idx="1"/>
-          </p:nvPr>
+          <p:cNvPr id="6" name="Скругленный прямоугольник 5"/>
+          <p:cNvSpPr/>
+          <p:nvPr/>
         </p:nvSpPr>
         <p:spPr>
           <a:xfrm>
-            <a:off x="1291771" y="1883682"/>
-            <a:ext cx="10900229" cy="4351338"/>
+            <a:off x="920733" y="2425700"/>
+            <a:ext cx="10350533" cy="3162300"/>
           </a:xfrm>
+          <a:prstGeom prst="roundRect">
+            <a:avLst/>
+          </a:prstGeom>
+          <a:solidFill>
+            <a:schemeClr val="bg1">
+              <a:lumMod val="95000"/>
+              <a:alpha val="55000"/>
+            </a:schemeClr>
+          </a:solidFill>
+          <a:ln>
+            <a:noFill/>
+          </a:ln>
         </p:spPr>
-        <p:txBody>
-          <a:bodyPr>
-            <a:normAutofit lnSpcReduction="10000"/>
-          </a:bodyPr>
-          <a:lstStyle/>
-          <a:p>
-            <a:r>
-              <a:rPr lang="ru-RU" b="1" dirty="0" err="1">
+        <p:style>
+          <a:lnRef idx="2">
+            <a:schemeClr val="accent1">
+              <a:shade val="50000"/>
+            </a:schemeClr>
+          </a:lnRef>
+          <a:fillRef idx="1">
+            <a:schemeClr val="accent1"/>
+          </a:fillRef>
+          <a:effectRef idx="0">
+            <a:schemeClr val="accent1"/>
+          </a:effectRef>
+          <a:fontRef idx="minor">
+            <a:schemeClr val="lt1"/>
+          </a:fontRef>
+        </p:style>
+        <p:txBody>
+          <a:bodyPr rtlCol="0" anchor="ctr"/>
+          <a:lstStyle/>
+          <a:p>
+            <a:pPr algn="just"/>
+            <a:r>
+              <a:rPr lang="en-US" b="1" smtClean="0">
                 <a:solidFill>
-                  <a:schemeClr val="accent4">
-                    <a:lumMod val="60000"/>
-                    <a:lumOff val="40000"/>
+                  <a:schemeClr val="bg1">
+                    <a:lumMod val="95000"/>
                   </a:schemeClr>
                 </a:solidFill>
+                <a:effectLst>
+                  <a:outerShdw blurRad="38100" dist="38100" dir="2700000" algn="tl">
+                    <a:srgbClr val="000000">
+                      <a:alpha val="43137"/>
+                    </a:srgbClr>
+                  </a:outerShdw>
+                </a:effectLst>
                 <a:latin typeface="Comic Sans MS" panose="030F0702030302020204" pitchFamily="66" charset="0"/>
               </a:rPr>
-              <a:t>Тестиро́вщик</a:t>
-            </a:r>
-            <a:r>
-              <a:rPr lang="ru-RU" dirty="0">
+              <a:t>QA </a:t>
+            </a:r>
+            <a:r>
+              <a:rPr lang="ru-RU" b="1" smtClean="0">
                 <a:solidFill>
-                  <a:schemeClr val="accent4">
-                    <a:lumMod val="60000"/>
-                    <a:lumOff val="40000"/>
+                  <a:schemeClr val="bg1">
+                    <a:lumMod val="95000"/>
                   </a:schemeClr>
                 </a:solidFill>
-                <a:latin typeface="Comic Sans MS" panose="030F0702030302020204" pitchFamily="66" charset="0"/>
-              </a:rPr>
-              <a:t> — специалист, занимающийся тестированием. В его обязанность входит поиск вероятных ошибок и сбоев в функционировании объекта тестирования (продукта, программы, </a:t>
-            </a:r>
-            <a:r>
-              <a:rPr lang="ru-RU" dirty="0" err="1">
-                <a:solidFill>
-                  <a:schemeClr val="accent4">
-                    <a:lumMod val="60000"/>
-                    <a:lumOff val="40000"/>
-                  </a:schemeClr>
-                </a:solidFill>
-                <a:latin typeface="Comic Sans MS" panose="030F0702030302020204" pitchFamily="66" charset="0"/>
-              </a:rPr>
-              <a:t>итд</a:t>
-            </a:r>
-            <a:r>
-              <a:rPr lang="ru-RU" dirty="0">
-                <a:solidFill>
-                  <a:schemeClr val="accent4">
-                    <a:lumMod val="60000"/>
-                    <a:lumOff val="40000"/>
-                  </a:schemeClr>
-                </a:solidFill>
-                <a:latin typeface="Comic Sans MS" panose="030F0702030302020204" pitchFamily="66" charset="0"/>
-              </a:rPr>
-              <a:t>). </a:t>
-            </a:r>
-            <a:r>
-              <a:rPr lang="ru-RU" dirty="0" err="1">
-                <a:solidFill>
-                  <a:schemeClr val="accent4">
-                    <a:lumMod val="60000"/>
-                    <a:lumOff val="40000"/>
-                  </a:schemeClr>
-                </a:solidFill>
+                <a:effectLst>
+                  <a:outerShdw blurRad="38100" dist="38100" dir="2700000" algn="tl">
+                    <a:srgbClr val="000000">
+                      <a:alpha val="43137"/>
+                    </a:srgbClr>
+                  </a:outerShdw>
+                </a:effectLst>
                 <a:latin typeface="Comic Sans MS" panose="030F0702030302020204" pitchFamily="66" charset="0"/>
               </a:rPr>
               <a:t>Тестировщик</a:t>
             </a:r>
             <a:r>
-              <a:rPr lang="ru-RU" dirty="0">
+              <a:rPr lang="ru-RU">
                 <a:solidFill>
-                  <a:schemeClr val="accent4">
-                    <a:lumMod val="60000"/>
-                    <a:lumOff val="40000"/>
+                  <a:schemeClr val="bg1">
+                    <a:lumMod val="95000"/>
                   </a:schemeClr>
                 </a:solidFill>
+                <a:effectLst>
+                  <a:outerShdw blurRad="38100" dist="38100" dir="2700000" algn="tl">
+                    <a:srgbClr val="000000">
+                      <a:alpha val="43137"/>
+                    </a:srgbClr>
+                  </a:outerShdw>
+                </a:effectLst>
                 <a:latin typeface="Comic Sans MS" panose="030F0702030302020204" pitchFamily="66" charset="0"/>
               </a:rPr>
-              <a:t> моделирует различные ситуации, которые могут возникнуть в процессе использования предмета тестирования, чтобы разработчики смогли исправить обнаруженные ошибки.</a:t>
-            </a:r>
-          </a:p>
-          <a:p>
-            <a:r>
-              <a:rPr lang="ru-RU" dirty="0" err="1">
+              <a:t> — специалист, занимающийся тестированием. В его обязанность входит поиск вероятных ошибок и сбоев в функционировании объекта тестирования (продукта, программы, итд). Тестировщик моделирует различные ситуации, которые могут возникнуть в процессе использования предмета тестирования, чтобы разработчики смогли исправить обнаруженные ошибки.</a:t>
+            </a:r>
+          </a:p>
+          <a:p>
+            <a:pPr algn="just"/>
+            <a:r>
+              <a:rPr lang="ru-RU">
                 <a:solidFill>
-                  <a:schemeClr val="accent4">
-                    <a:lumMod val="60000"/>
-                    <a:lumOff val="40000"/>
+                  <a:schemeClr val="bg1">
+                    <a:lumMod val="95000"/>
                   </a:schemeClr>
                 </a:solidFill>
+                <a:effectLst>
+                  <a:outerShdw blurRad="38100" dist="38100" dir="2700000" algn="tl">
+                    <a:srgbClr val="000000">
+                      <a:alpha val="43137"/>
+                    </a:srgbClr>
+                  </a:outerShdw>
+                </a:effectLst>
                 <a:latin typeface="Comic Sans MS" panose="030F0702030302020204" pitchFamily="66" charset="0"/>
               </a:rPr>
-              <a:t>Тестировщик</a:t>
-            </a:r>
-            <a:r>
-              <a:rPr lang="ru-RU" dirty="0">
-                <a:solidFill>
-                  <a:schemeClr val="accent4">
-                    <a:lumMod val="60000"/>
-                    <a:lumOff val="40000"/>
-                  </a:schemeClr>
-                </a:solidFill>
-                <a:latin typeface="Comic Sans MS" panose="030F0702030302020204" pitchFamily="66" charset="0"/>
-              </a:rPr>
-              <a:t> также создаёт и использует разнообразные входные данные, предусмотренные и не предусмотренные разработчиками объекта тестирования. Его деятельность обычно подразумевает как минимум три модели поведения:</a:t>
-            </a:r>
-          </a:p>
-          <a:p>
+              <a:t>Тестировщик также создаёт и использует разнообразные входные данные, предусмотренные и не предусмотренные разработчиками объекта тестирования. Его деятельность обычно подразумевает как минимум три модели поведения:</a:t>
+            </a:r>
+          </a:p>
+          <a:p>
+            <a:pPr algn="just"/>
             <a:endParaRPr lang="ru-RU" dirty="0">
               <a:solidFill>
-                <a:schemeClr val="accent4">
-                  <a:lumMod val="60000"/>
-                  <a:lumOff val="40000"/>
+                <a:schemeClr val="bg1">
+                  <a:lumMod val="95000"/>
                 </a:schemeClr>
               </a:solidFill>
+              <a:effectLst>
+                <a:outerShdw blurRad="38100" dist="38100" dir="2700000" algn="tl">
+                  <a:srgbClr val="000000">
+                    <a:alpha val="43137"/>
+                  </a:srgbClr>
+                </a:outerShdw>
+              </a:effectLst>
               <a:latin typeface="Comic Sans MS" panose="030F0702030302020204" pitchFamily="66" charset="0"/>
             </a:endParaRPr>
           </a:p>
@@ -4107,9 +4780,136 @@
   <p:timing>
     <p:tnLst>
       <p:par>
-        <p:cTn id="1" dur="indefinite" restart="never" nodeType="tmRoot"/>
+        <p:cTn id="1" dur="indefinite" restart="never" nodeType="tmRoot">
+          <p:childTnLst>
+            <p:seq concurrent="1" nextAc="seek">
+              <p:cTn id="2" dur="indefinite" nodeType="mainSeq">
+                <p:childTnLst>
+                  <p:par>
+                    <p:cTn id="3" fill="hold">
+                      <p:stCondLst>
+                        <p:cond delay="indefinite"/>
+                        <p:cond evt="onBegin" delay="0">
+                          <p:tn val="2"/>
+                        </p:cond>
+                      </p:stCondLst>
+                      <p:childTnLst>
+                        <p:par>
+                          <p:cTn id="4" fill="hold">
+                            <p:stCondLst>
+                              <p:cond delay="0"/>
+                            </p:stCondLst>
+                            <p:childTnLst>
+                              <p:par>
+                                <p:cTn id="5" presetID="10" presetClass="entr" presetSubtype="0" fill="hold" grpId="0" nodeType="afterEffect">
+                                  <p:stCondLst>
+                                    <p:cond delay="200"/>
+                                  </p:stCondLst>
+                                  <p:childTnLst>
+                                    <p:set>
+                                      <p:cBhvr>
+                                        <p:cTn id="6" dur="1" fill="hold">
+                                          <p:stCondLst>
+                                            <p:cond delay="0"/>
+                                          </p:stCondLst>
+                                        </p:cTn>
+                                        <p:tgtEl>
+                                          <p:spTgt spid="5"/>
+                                        </p:tgtEl>
+                                        <p:attrNameLst>
+                                          <p:attrName>style.visibility</p:attrName>
+                                        </p:attrNameLst>
+                                      </p:cBhvr>
+                                      <p:to>
+                                        <p:strVal val="visible"/>
+                                      </p:to>
+                                    </p:set>
+                                    <p:animEffect transition="in" filter="fade">
+                                      <p:cBhvr>
+                                        <p:cTn id="7" dur="500"/>
+                                        <p:tgtEl>
+                                          <p:spTgt spid="5"/>
+                                        </p:tgtEl>
+                                      </p:cBhvr>
+                                    </p:animEffect>
+                                  </p:childTnLst>
+                                </p:cTn>
+                              </p:par>
+                            </p:childTnLst>
+                          </p:cTn>
+                        </p:par>
+                        <p:par>
+                          <p:cTn id="8" fill="hold">
+                            <p:stCondLst>
+                              <p:cond delay="700"/>
+                            </p:stCondLst>
+                            <p:childTnLst>
+                              <p:par>
+                                <p:cTn id="9" presetID="10" presetClass="entr" presetSubtype="0" fill="hold" grpId="0" nodeType="afterEffect">
+                                  <p:stCondLst>
+                                    <p:cond delay="200"/>
+                                  </p:stCondLst>
+                                  <p:childTnLst>
+                                    <p:set>
+                                      <p:cBhvr>
+                                        <p:cTn id="10" dur="1" fill="hold">
+                                          <p:stCondLst>
+                                            <p:cond delay="0"/>
+                                          </p:stCondLst>
+                                        </p:cTn>
+                                        <p:tgtEl>
+                                          <p:spTgt spid="6"/>
+                                        </p:tgtEl>
+                                        <p:attrNameLst>
+                                          <p:attrName>style.visibility</p:attrName>
+                                        </p:attrNameLst>
+                                      </p:cBhvr>
+                                      <p:to>
+                                        <p:strVal val="visible"/>
+                                      </p:to>
+                                    </p:set>
+                                    <p:animEffect transition="in" filter="fade">
+                                      <p:cBhvr>
+                                        <p:cTn id="11" dur="500"/>
+                                        <p:tgtEl>
+                                          <p:spTgt spid="6"/>
+                                        </p:tgtEl>
+                                      </p:cBhvr>
+                                    </p:animEffect>
+                                  </p:childTnLst>
+                                </p:cTn>
+                              </p:par>
+                            </p:childTnLst>
+                          </p:cTn>
+                        </p:par>
+                      </p:childTnLst>
+                    </p:cTn>
+                  </p:par>
+                </p:childTnLst>
+              </p:cTn>
+              <p:prevCondLst>
+                <p:cond evt="onPrev" delay="0">
+                  <p:tgtEl>
+                    <p:sldTgt/>
+                  </p:tgtEl>
+                </p:cond>
+              </p:prevCondLst>
+              <p:nextCondLst>
+                <p:cond evt="onNext" delay="0">
+                  <p:tgtEl>
+                    <p:sldTgt/>
+                  </p:tgtEl>
+                </p:cond>
+              </p:nextCondLst>
+            </p:seq>
+          </p:childTnLst>
+        </p:cTn>
       </p:par>
     </p:tnLst>
+    <p:bldLst>
+      <p:bldP spid="5" grpId="0" animBg="1"/>
+      <p:bldP spid="6" grpId="0" animBg="1"/>
+    </p:bldLst>
   </p:timing>
 </p:sld>
 </file>
@@ -4125,7 +4925,7 @@
           </a:blip>
           <a:srcRect/>
           <a:stretch>
-            <a:fillRect t="-21000" b="-21000"/>
+            <a:fillRect t="-39000" b="-39000"/>
           </a:stretch>
         </a:blipFill>
         <a:effectLst/>
@@ -4147,22 +4947,22 @@
       </p:grpSpPr>
       <p:sp>
         <p:nvSpPr>
-          <p:cNvPr id="4" name="Прямоугольник 3"/>
+          <p:cNvPr id="5" name="Скругленный прямоугольник 4"/>
           <p:cNvSpPr/>
           <p:nvPr/>
         </p:nvSpPr>
         <p:spPr>
           <a:xfrm>
-            <a:off x="-1117600" y="-537029"/>
-            <a:ext cx="13556343" cy="7395029"/>
+            <a:off x="3673475" y="681592"/>
+            <a:ext cx="4819650" cy="1043349"/>
           </a:xfrm>
-          <a:prstGeom prst="rect">
+          <a:prstGeom prst="roundRect">
             <a:avLst/>
           </a:prstGeom>
           <a:solidFill>
             <a:schemeClr val="bg1">
-              <a:lumMod val="65000"/>
-              <a:alpha val="27000"/>
+              <a:lumMod val="95000"/>
+              <a:alpha val="55000"/>
             </a:schemeClr>
           </a:solidFill>
           <a:ln>
@@ -4190,248 +4990,153 @@
           <a:lstStyle/>
           <a:p>
             <a:pPr algn="ctr"/>
-            <a:endParaRPr lang="ru-RU"/>
-          </a:p>
-        </p:txBody>
-      </p:sp>
-      <p:sp>
-        <p:nvSpPr>
-          <p:cNvPr id="2" name="Заголовок 1"/>
-          <p:cNvSpPr>
-            <a:spLocks noGrp="1"/>
-          </p:cNvSpPr>
-          <p:nvPr>
-            <p:ph type="title"/>
-          </p:nvPr>
-        </p:nvSpPr>
-        <p:spPr>
-          <a:xfrm>
-            <a:off x="2249714" y="365125"/>
-            <a:ext cx="9104086" cy="1325563"/>
-          </a:xfrm>
-        </p:spPr>
-        <p:txBody>
-          <a:bodyPr/>
-          <a:lstStyle/>
-          <a:p>
-            <a:r>
-              <a:rPr lang="en-US" dirty="0">
+            <a:r>
+              <a:rPr lang="en-US" sz="3200">
                 <a:solidFill>
-                  <a:schemeClr val="accent2">
-                    <a:lumMod val="60000"/>
-                    <a:lumOff val="40000"/>
+                  <a:schemeClr val="bg1">
+                    <a:lumMod val="95000"/>
                   </a:schemeClr>
                 </a:solidFill>
+                <a:effectLst>
+                  <a:outerShdw blurRad="38100" dist="38100" dir="2700000" algn="tl">
+                    <a:srgbClr val="000000">
+                      <a:alpha val="43137"/>
+                    </a:srgbClr>
+                  </a:outerShdw>
+                </a:effectLst>
                 <a:latin typeface="Comic Sans MS" panose="030F0702030302020204" pitchFamily="66" charset="0"/>
               </a:rPr>
               <a:t>Backend </a:t>
             </a:r>
             <a:r>
-              <a:rPr lang="ru-RU" dirty="0">
+              <a:rPr lang="ru-RU" sz="3200">
                 <a:solidFill>
-                  <a:schemeClr val="accent2">
-                    <a:lumMod val="60000"/>
-                    <a:lumOff val="40000"/>
+                  <a:schemeClr val="bg1">
+                    <a:lumMod val="95000"/>
                   </a:schemeClr>
                 </a:solidFill>
+                <a:effectLst>
+                  <a:outerShdw blurRad="38100" dist="38100" dir="2700000" algn="tl">
+                    <a:srgbClr val="000000">
+                      <a:alpha val="43137"/>
+                    </a:srgbClr>
+                  </a:outerShdw>
+                </a:effectLst>
                 <a:latin typeface="Comic Sans MS" panose="030F0702030302020204" pitchFamily="66" charset="0"/>
               </a:rPr>
               <a:t>программист</a:t>
             </a:r>
-          </a:p>
-        </p:txBody>
-      </p:sp>
-      <p:sp>
-        <p:nvSpPr>
-          <p:cNvPr id="3" name="Объект 2"/>
-          <p:cNvSpPr>
-            <a:spLocks noGrp="1"/>
-          </p:cNvSpPr>
-          <p:nvPr>
-            <p:ph idx="1"/>
-          </p:nvPr>
-        </p:nvSpPr>
-        <p:spPr/>
-        <p:txBody>
-          <a:bodyPr>
-            <a:normAutofit/>
-          </a:bodyPr>
-          <a:lstStyle/>
-          <a:p>
-            <a:r>
-              <a:rPr lang="ru-RU" dirty="0" err="1">
+            <a:endParaRPr lang="ru-RU" sz="3200" dirty="0">
+              <a:solidFill>
+                <a:schemeClr val="bg1">
+                  <a:lumMod val="95000"/>
+                </a:schemeClr>
+              </a:solidFill>
+              <a:effectLst>
+                <a:outerShdw blurRad="38100" dist="38100" dir="2700000" algn="tl">
+                  <a:srgbClr val="000000">
+                    <a:alpha val="43137"/>
+                  </a:srgbClr>
+                </a:outerShdw>
+              </a:effectLst>
+              <a:latin typeface="Comic Sans MS" panose="030F0702030302020204" pitchFamily="66" charset="0"/>
+            </a:endParaRPr>
+          </a:p>
+        </p:txBody>
+      </p:sp>
+      <p:sp>
+        <p:nvSpPr>
+          <p:cNvPr id="6" name="Скругленный прямоугольник 5"/>
+          <p:cNvSpPr/>
+          <p:nvPr/>
+        </p:nvSpPr>
+        <p:spPr>
+          <a:xfrm>
+            <a:off x="920733" y="2603500"/>
+            <a:ext cx="10350533" cy="3060700"/>
+          </a:xfrm>
+          <a:prstGeom prst="roundRect">
+            <a:avLst/>
+          </a:prstGeom>
+          <a:solidFill>
+            <a:schemeClr val="bg1">
+              <a:lumMod val="95000"/>
+              <a:alpha val="55000"/>
+            </a:schemeClr>
+          </a:solidFill>
+          <a:ln>
+            <a:noFill/>
+          </a:ln>
+        </p:spPr>
+        <p:style>
+          <a:lnRef idx="2">
+            <a:schemeClr val="accent1">
+              <a:shade val="50000"/>
+            </a:schemeClr>
+          </a:lnRef>
+          <a:fillRef idx="1">
+            <a:schemeClr val="accent1"/>
+          </a:fillRef>
+          <a:effectRef idx="0">
+            <a:schemeClr val="accent1"/>
+          </a:effectRef>
+          <a:fontRef idx="minor">
+            <a:schemeClr val="lt1"/>
+          </a:fontRef>
+        </p:style>
+        <p:txBody>
+          <a:bodyPr rtlCol="0" anchor="ctr"/>
+          <a:lstStyle/>
+          <a:p>
+            <a:pPr algn="just"/>
+            <a:r>
+              <a:rPr lang="ru-RU">
                 <a:solidFill>
-                  <a:schemeClr val="accent4">
-                    <a:lumMod val="60000"/>
-                    <a:lumOff val="40000"/>
+                  <a:schemeClr val="bg1">
+                    <a:lumMod val="95000"/>
                   </a:schemeClr>
                 </a:solidFill>
+                <a:effectLst>
+                  <a:outerShdw blurRad="38100" dist="38100" dir="2700000" algn="tl">
+                    <a:srgbClr val="000000">
+                      <a:alpha val="43137"/>
+                    </a:srgbClr>
+                  </a:outerShdw>
+                </a:effectLst>
                 <a:latin typeface="Comic Sans MS" panose="030F0702030302020204" pitchFamily="66" charset="0"/>
               </a:rPr>
-              <a:t>Backend</a:t>
-            </a:r>
-            <a:r>
-              <a:rPr lang="ru-RU" dirty="0">
+              <a:t>Backend программист - это тот специалист, который программирует и создает серверную часть веб-сайта. Он обеспечивает вывод необходимого контента из базы данных в нужных участках web-сайта, автоматизирует процесс сбора информации о пользователях, защищает сайт от взлома и всевозможных DoS и DDoS атак. На сегодняшний день многие западные компании готовы трудоустроить наших веб-программистов с хорошим знанием backend-develop’а и предложить достойную оплату их труда. </a:t>
+            </a:r>
+            <a:br>
+              <a:rPr lang="ru-RU">
                 <a:solidFill>
-                  <a:schemeClr val="accent4">
-                    <a:lumMod val="60000"/>
-                    <a:lumOff val="40000"/>
+                  <a:schemeClr val="bg1">
+                    <a:lumMod val="95000"/>
                   </a:schemeClr>
                 </a:solidFill>
-                <a:latin typeface="Comic Sans MS" panose="030F0702030302020204" pitchFamily="66" charset="0"/>
-              </a:rPr>
-              <a:t> программист - это тот </a:t>
-            </a:r>
-            <a:r>
-              <a:rPr lang="ru-RU" dirty="0" smtClean="0">
-                <a:solidFill>
-                  <a:schemeClr val="accent4">
-                    <a:lumMod val="60000"/>
-                    <a:lumOff val="40000"/>
-                  </a:schemeClr>
-                </a:solidFill>
-                <a:latin typeface="Comic Sans MS" panose="030F0702030302020204" pitchFamily="66" charset="0"/>
-              </a:rPr>
-              <a:t>специалист, который </a:t>
-            </a:r>
-            <a:r>
-              <a:rPr lang="ru-RU" dirty="0">
-                <a:solidFill>
-                  <a:schemeClr val="accent4">
-                    <a:lumMod val="60000"/>
-                    <a:lumOff val="40000"/>
-                  </a:schemeClr>
-                </a:solidFill>
-                <a:latin typeface="Comic Sans MS" panose="030F0702030302020204" pitchFamily="66" charset="0"/>
-              </a:rPr>
-              <a:t>программирует и создает серверную часть веб-сайта. Он обеспечивает вывод необходимого контента из базы данных в нужных участках </a:t>
-            </a:r>
-            <a:r>
-              <a:rPr lang="ru-RU" dirty="0" err="1">
-                <a:solidFill>
-                  <a:schemeClr val="accent4">
-                    <a:lumMod val="60000"/>
-                    <a:lumOff val="40000"/>
-                  </a:schemeClr>
-                </a:solidFill>
-                <a:latin typeface="Comic Sans MS" panose="030F0702030302020204" pitchFamily="66" charset="0"/>
-              </a:rPr>
-              <a:t>web</a:t>
-            </a:r>
-            <a:r>
-              <a:rPr lang="ru-RU" dirty="0">
-                <a:solidFill>
-                  <a:schemeClr val="accent4">
-                    <a:lumMod val="60000"/>
-                    <a:lumOff val="40000"/>
-                  </a:schemeClr>
-                </a:solidFill>
-                <a:latin typeface="Comic Sans MS" panose="030F0702030302020204" pitchFamily="66" charset="0"/>
-              </a:rPr>
-              <a:t>-сайта, автоматизирует процесс сбора информации о пользователях, защищает сайт от взлома и всевозможных </a:t>
-            </a:r>
-            <a:r>
-              <a:rPr lang="ru-RU" dirty="0" err="1">
-                <a:solidFill>
-                  <a:schemeClr val="accent4">
-                    <a:lumMod val="60000"/>
-                    <a:lumOff val="40000"/>
-                  </a:schemeClr>
-                </a:solidFill>
-                <a:latin typeface="Comic Sans MS" panose="030F0702030302020204" pitchFamily="66" charset="0"/>
-              </a:rPr>
-              <a:t>DoS</a:t>
-            </a:r>
-            <a:r>
-              <a:rPr lang="ru-RU" dirty="0">
-                <a:solidFill>
-                  <a:schemeClr val="accent4">
-                    <a:lumMod val="60000"/>
-                    <a:lumOff val="40000"/>
-                  </a:schemeClr>
-                </a:solidFill>
-                <a:latin typeface="Comic Sans MS" panose="030F0702030302020204" pitchFamily="66" charset="0"/>
-              </a:rPr>
-              <a:t> и </a:t>
-            </a:r>
-            <a:r>
-              <a:rPr lang="ru-RU" dirty="0" err="1">
-                <a:solidFill>
-                  <a:schemeClr val="accent4">
-                    <a:lumMod val="60000"/>
-                    <a:lumOff val="40000"/>
-                  </a:schemeClr>
-                </a:solidFill>
-                <a:latin typeface="Comic Sans MS" panose="030F0702030302020204" pitchFamily="66" charset="0"/>
-              </a:rPr>
-              <a:t>DDoS</a:t>
-            </a:r>
-            <a:r>
-              <a:rPr lang="ru-RU" dirty="0">
-                <a:solidFill>
-                  <a:schemeClr val="accent4">
-                    <a:lumMod val="60000"/>
-                    <a:lumOff val="40000"/>
-                  </a:schemeClr>
-                </a:solidFill>
-                <a:latin typeface="Comic Sans MS" panose="030F0702030302020204" pitchFamily="66" charset="0"/>
-              </a:rPr>
-              <a:t> атак. На сегодняшний день многие западные компании готовы трудоустроить наших веб-программистов с хорошим знанием </a:t>
-            </a:r>
-            <a:r>
-              <a:rPr lang="ru-RU" dirty="0" err="1">
-                <a:solidFill>
-                  <a:schemeClr val="accent4">
-                    <a:lumMod val="60000"/>
-                    <a:lumOff val="40000"/>
-                  </a:schemeClr>
-                </a:solidFill>
-                <a:latin typeface="Comic Sans MS" panose="030F0702030302020204" pitchFamily="66" charset="0"/>
-              </a:rPr>
-              <a:t>backend-develop’а</a:t>
-            </a:r>
-            <a:r>
-              <a:rPr lang="ru-RU" dirty="0">
-                <a:solidFill>
-                  <a:schemeClr val="accent4">
-                    <a:lumMod val="60000"/>
-                    <a:lumOff val="40000"/>
-                  </a:schemeClr>
-                </a:solidFill>
-                <a:latin typeface="Comic Sans MS" panose="030F0702030302020204" pitchFamily="66" charset="0"/>
-              </a:rPr>
-              <a:t> и предложить достойную оплату их труда. </a:t>
-            </a:r>
-            <a:r>
-              <a:rPr lang="ru-RU" dirty="0" smtClean="0">
-                <a:solidFill>
-                  <a:schemeClr val="accent4">
-                    <a:lumMod val="60000"/>
-                    <a:lumOff val="40000"/>
-                  </a:schemeClr>
-                </a:solidFill>
-                <a:latin typeface="Comic Sans MS" panose="030F0702030302020204" pitchFamily="66" charset="0"/>
-              </a:rPr>
-              <a:t/>
-            </a:r>
-            <a:br>
-              <a:rPr lang="ru-RU" dirty="0" smtClean="0">
-                <a:solidFill>
-                  <a:schemeClr val="accent4">
-                    <a:lumMod val="60000"/>
-                    <a:lumOff val="40000"/>
-                  </a:schemeClr>
-                </a:solidFill>
+                <a:effectLst>
+                  <a:outerShdw blurRad="38100" dist="38100" dir="2700000" algn="tl">
+                    <a:srgbClr val="000000">
+                      <a:alpha val="43137"/>
+                    </a:srgbClr>
+                  </a:outerShdw>
+                </a:effectLst>
                 <a:latin typeface="Comic Sans MS" panose="030F0702030302020204" pitchFamily="66" charset="0"/>
               </a:rPr>
             </a:br>
-            <a:endParaRPr lang="ru-RU" dirty="0" smtClean="0">
+            <a:endParaRPr lang="ru-RU" dirty="0">
               <a:solidFill>
-                <a:schemeClr val="accent4">
-                  <a:lumMod val="60000"/>
-                  <a:lumOff val="40000"/>
+                <a:schemeClr val="bg1">
+                  <a:lumMod val="95000"/>
                 </a:schemeClr>
               </a:solidFill>
+              <a:effectLst>
+                <a:outerShdw blurRad="38100" dist="38100" dir="2700000" algn="tl">
+                  <a:srgbClr val="000000">
+                    <a:alpha val="43137"/>
+                  </a:srgbClr>
+                </a:outerShdw>
+              </a:effectLst>
               <a:latin typeface="Comic Sans MS" panose="030F0702030302020204" pitchFamily="66" charset="0"/>
             </a:endParaRPr>
           </a:p>
@@ -4462,9 +5167,136 @@
   <p:timing>
     <p:tnLst>
       <p:par>
-        <p:cTn id="1" dur="indefinite" restart="never" nodeType="tmRoot"/>
+        <p:cTn id="1" dur="indefinite" restart="never" nodeType="tmRoot">
+          <p:childTnLst>
+            <p:seq concurrent="1" nextAc="seek">
+              <p:cTn id="2" dur="indefinite" nodeType="mainSeq">
+                <p:childTnLst>
+                  <p:par>
+                    <p:cTn id="3" fill="hold">
+                      <p:stCondLst>
+                        <p:cond delay="indefinite"/>
+                        <p:cond evt="onBegin" delay="0">
+                          <p:tn val="2"/>
+                        </p:cond>
+                      </p:stCondLst>
+                      <p:childTnLst>
+                        <p:par>
+                          <p:cTn id="4" fill="hold">
+                            <p:stCondLst>
+                              <p:cond delay="0"/>
+                            </p:stCondLst>
+                            <p:childTnLst>
+                              <p:par>
+                                <p:cTn id="5" presetID="10" presetClass="entr" presetSubtype="0" fill="hold" grpId="0" nodeType="afterEffect">
+                                  <p:stCondLst>
+                                    <p:cond delay="200"/>
+                                  </p:stCondLst>
+                                  <p:childTnLst>
+                                    <p:set>
+                                      <p:cBhvr>
+                                        <p:cTn id="6" dur="1" fill="hold">
+                                          <p:stCondLst>
+                                            <p:cond delay="0"/>
+                                          </p:stCondLst>
+                                        </p:cTn>
+                                        <p:tgtEl>
+                                          <p:spTgt spid="5"/>
+                                        </p:tgtEl>
+                                        <p:attrNameLst>
+                                          <p:attrName>style.visibility</p:attrName>
+                                        </p:attrNameLst>
+                                      </p:cBhvr>
+                                      <p:to>
+                                        <p:strVal val="visible"/>
+                                      </p:to>
+                                    </p:set>
+                                    <p:animEffect transition="in" filter="fade">
+                                      <p:cBhvr>
+                                        <p:cTn id="7" dur="500"/>
+                                        <p:tgtEl>
+                                          <p:spTgt spid="5"/>
+                                        </p:tgtEl>
+                                      </p:cBhvr>
+                                    </p:animEffect>
+                                  </p:childTnLst>
+                                </p:cTn>
+                              </p:par>
+                            </p:childTnLst>
+                          </p:cTn>
+                        </p:par>
+                        <p:par>
+                          <p:cTn id="8" fill="hold">
+                            <p:stCondLst>
+                              <p:cond delay="700"/>
+                            </p:stCondLst>
+                            <p:childTnLst>
+                              <p:par>
+                                <p:cTn id="9" presetID="10" presetClass="entr" presetSubtype="0" fill="hold" grpId="0" nodeType="afterEffect">
+                                  <p:stCondLst>
+                                    <p:cond delay="200"/>
+                                  </p:stCondLst>
+                                  <p:childTnLst>
+                                    <p:set>
+                                      <p:cBhvr>
+                                        <p:cTn id="10" dur="1" fill="hold">
+                                          <p:stCondLst>
+                                            <p:cond delay="0"/>
+                                          </p:stCondLst>
+                                        </p:cTn>
+                                        <p:tgtEl>
+                                          <p:spTgt spid="6"/>
+                                        </p:tgtEl>
+                                        <p:attrNameLst>
+                                          <p:attrName>style.visibility</p:attrName>
+                                        </p:attrNameLst>
+                                      </p:cBhvr>
+                                      <p:to>
+                                        <p:strVal val="visible"/>
+                                      </p:to>
+                                    </p:set>
+                                    <p:animEffect transition="in" filter="fade">
+                                      <p:cBhvr>
+                                        <p:cTn id="11" dur="500"/>
+                                        <p:tgtEl>
+                                          <p:spTgt spid="6"/>
+                                        </p:tgtEl>
+                                      </p:cBhvr>
+                                    </p:animEffect>
+                                  </p:childTnLst>
+                                </p:cTn>
+                              </p:par>
+                            </p:childTnLst>
+                          </p:cTn>
+                        </p:par>
+                      </p:childTnLst>
+                    </p:cTn>
+                  </p:par>
+                </p:childTnLst>
+              </p:cTn>
+              <p:prevCondLst>
+                <p:cond evt="onPrev" delay="0">
+                  <p:tgtEl>
+                    <p:sldTgt/>
+                  </p:tgtEl>
+                </p:cond>
+              </p:prevCondLst>
+              <p:nextCondLst>
+                <p:cond evt="onNext" delay="0">
+                  <p:tgtEl>
+                    <p:sldTgt/>
+                  </p:tgtEl>
+                </p:cond>
+              </p:nextCondLst>
+            </p:seq>
+          </p:childTnLst>
+        </p:cTn>
       </p:par>
     </p:tnLst>
+    <p:bldLst>
+      <p:bldP spid="5" grpId="0" animBg="1"/>
+      <p:bldP spid="6" grpId="0" animBg="1"/>
+    </p:bldLst>
   </p:timing>
 </p:sld>
 </file>
@@ -4481,7 +5313,7 @@
           </a:blip>
           <a:srcRect/>
           <a:stretch>
-            <a:fillRect t="-14000" b="-14000"/>
+            <a:fillRect t="-17000" b="-17000"/>
           </a:stretch>
         </a:blipFill>
         <a:effectLst/>
@@ -4503,523 +5335,310 @@
       </p:grpSpPr>
       <p:sp>
         <p:nvSpPr>
-          <p:cNvPr id="2" name="Заголовок 1"/>
-          <p:cNvSpPr>
-            <a:spLocks noGrp="1"/>
-          </p:cNvSpPr>
-          <p:nvPr>
-            <p:ph type="title"/>
-          </p:nvPr>
+          <p:cNvPr id="5" name="Скругленный прямоугольник 4"/>
+          <p:cNvSpPr/>
+          <p:nvPr/>
         </p:nvSpPr>
         <p:spPr>
           <a:xfrm>
-            <a:off x="2293256" y="365125"/>
-            <a:ext cx="9060543" cy="1325563"/>
+            <a:off x="3673475" y="681592"/>
+            <a:ext cx="4819650" cy="1043349"/>
           </a:xfrm>
+          <a:prstGeom prst="roundRect">
+            <a:avLst/>
+          </a:prstGeom>
+          <a:solidFill>
+            <a:schemeClr val="bg1">
+              <a:lumMod val="95000"/>
+              <a:alpha val="55000"/>
+            </a:schemeClr>
+          </a:solidFill>
+          <a:ln>
+            <a:noFill/>
+          </a:ln>
         </p:spPr>
-        <p:txBody>
-          <a:bodyPr/>
-          <a:lstStyle/>
-          <a:p>
-            <a:r>
-              <a:rPr lang="en-US" dirty="0" smtClean="0">
+        <p:style>
+          <a:lnRef idx="2">
+            <a:schemeClr val="accent1">
+              <a:shade val="50000"/>
+            </a:schemeClr>
+          </a:lnRef>
+          <a:fillRef idx="1">
+            <a:schemeClr val="accent1"/>
+          </a:fillRef>
+          <a:effectRef idx="0">
+            <a:schemeClr val="accent1"/>
+          </a:effectRef>
+          <a:fontRef idx="minor">
+            <a:schemeClr val="lt1"/>
+          </a:fontRef>
+        </p:style>
+        <p:txBody>
+          <a:bodyPr rtlCol="0" anchor="ctr"/>
+          <a:lstStyle/>
+          <a:p>
+            <a:pPr algn="ctr"/>
+            <a:r>
+              <a:rPr lang="en-US" sz="3200">
                 <a:solidFill>
-                  <a:schemeClr val="accent2">
-                    <a:lumMod val="75000"/>
+                  <a:schemeClr val="bg1">
+                    <a:lumMod val="95000"/>
                   </a:schemeClr>
                 </a:solidFill>
+                <a:effectLst>
+                  <a:outerShdw blurRad="38100" dist="38100" dir="2700000" algn="tl">
+                    <a:srgbClr val="000000">
+                      <a:alpha val="43137"/>
+                    </a:srgbClr>
+                  </a:outerShdw>
+                </a:effectLst>
                 <a:latin typeface="Comic Sans MS" panose="030F0702030302020204" pitchFamily="66" charset="0"/>
               </a:rPr>
               <a:t>Frontend </a:t>
             </a:r>
             <a:r>
-              <a:rPr lang="ru-RU" dirty="0">
+              <a:rPr lang="ru-RU" sz="3200">
                 <a:solidFill>
-                  <a:schemeClr val="accent2">
-                    <a:lumMod val="75000"/>
+                  <a:schemeClr val="bg1">
+                    <a:lumMod val="95000"/>
                   </a:schemeClr>
                 </a:solidFill>
+                <a:effectLst>
+                  <a:outerShdw blurRad="38100" dist="38100" dir="2700000" algn="tl">
+                    <a:srgbClr val="000000">
+                      <a:alpha val="43137"/>
+                    </a:srgbClr>
+                  </a:outerShdw>
+                </a:effectLst>
                 <a:latin typeface="Comic Sans MS" panose="030F0702030302020204" pitchFamily="66" charset="0"/>
               </a:rPr>
               <a:t>программист</a:t>
             </a:r>
-          </a:p>
-        </p:txBody>
-      </p:sp>
-      <p:sp>
-        <p:nvSpPr>
-          <p:cNvPr id="3" name="Объект 2"/>
-          <p:cNvSpPr>
-            <a:spLocks noGrp="1"/>
-          </p:cNvSpPr>
-          <p:nvPr>
-            <p:ph idx="1"/>
-          </p:nvPr>
-        </p:nvSpPr>
-        <p:spPr/>
-        <p:txBody>
-          <a:bodyPr>
-            <a:normAutofit fontScale="77500" lnSpcReduction="20000"/>
-          </a:bodyPr>
-          <a:lstStyle/>
-          <a:p>
-            <a:r>
-              <a:rPr lang="en-US" dirty="0" smtClean="0">
+            <a:endParaRPr lang="ru-RU" sz="3200" dirty="0">
+              <a:solidFill>
+                <a:schemeClr val="bg1">
+                  <a:lumMod val="95000"/>
+                </a:schemeClr>
+              </a:solidFill>
+              <a:effectLst>
+                <a:outerShdw blurRad="38100" dist="38100" dir="2700000" algn="tl">
+                  <a:srgbClr val="000000">
+                    <a:alpha val="43137"/>
+                  </a:srgbClr>
+                </a:outerShdw>
+              </a:effectLst>
+              <a:latin typeface="Comic Sans MS" panose="030F0702030302020204" pitchFamily="66" charset="0"/>
+            </a:endParaRPr>
+          </a:p>
+        </p:txBody>
+      </p:sp>
+      <p:sp>
+        <p:nvSpPr>
+          <p:cNvPr id="6" name="Скругленный прямоугольник 5"/>
+          <p:cNvSpPr/>
+          <p:nvPr/>
+        </p:nvSpPr>
+        <p:spPr>
+          <a:xfrm>
+            <a:off x="920733" y="2260600"/>
+            <a:ext cx="10350533" cy="4330700"/>
+          </a:xfrm>
+          <a:prstGeom prst="roundRect">
+            <a:avLst/>
+          </a:prstGeom>
+          <a:solidFill>
+            <a:schemeClr val="bg1">
+              <a:lumMod val="95000"/>
+              <a:alpha val="55000"/>
+            </a:schemeClr>
+          </a:solidFill>
+          <a:ln>
+            <a:noFill/>
+          </a:ln>
+        </p:spPr>
+        <p:style>
+          <a:lnRef idx="2">
+            <a:schemeClr val="accent1">
+              <a:shade val="50000"/>
+            </a:schemeClr>
+          </a:lnRef>
+          <a:fillRef idx="1">
+            <a:schemeClr val="accent1"/>
+          </a:fillRef>
+          <a:effectRef idx="0">
+            <a:schemeClr val="accent1"/>
+          </a:effectRef>
+          <a:fontRef idx="minor">
+            <a:schemeClr val="lt1"/>
+          </a:fontRef>
+        </p:style>
+        <p:txBody>
+          <a:bodyPr rtlCol="0" anchor="ctr"/>
+          <a:lstStyle/>
+          <a:p>
+            <a:pPr algn="just"/>
+            <a:r>
+              <a:rPr lang="en-US">
                 <a:solidFill>
-                  <a:schemeClr val="accent4">
-                    <a:lumMod val="60000"/>
-                    <a:lumOff val="40000"/>
+                  <a:schemeClr val="bg1">
+                    <a:lumMod val="95000"/>
                   </a:schemeClr>
                 </a:solidFill>
+                <a:effectLst>
+                  <a:outerShdw blurRad="38100" dist="38100" dir="2700000" algn="tl">
+                    <a:srgbClr val="000000">
+                      <a:alpha val="43137"/>
+                    </a:srgbClr>
+                  </a:outerShdw>
+                </a:effectLst>
                 <a:latin typeface="Comic Sans MS" panose="030F0702030302020204" pitchFamily="66" charset="0"/>
               </a:rPr>
               <a:t>Frontend </a:t>
             </a:r>
             <a:r>
-              <a:rPr lang="ru-RU" dirty="0" smtClean="0">
+              <a:rPr lang="ru-RU">
                 <a:solidFill>
-                  <a:schemeClr val="accent4">
-                    <a:lumMod val="60000"/>
-                    <a:lumOff val="40000"/>
+                  <a:schemeClr val="bg1">
+                    <a:lumMod val="95000"/>
                   </a:schemeClr>
                 </a:solidFill>
+                <a:effectLst>
+                  <a:outerShdw blurRad="38100" dist="38100" dir="2700000" algn="tl">
+                    <a:srgbClr val="000000">
+                      <a:alpha val="43137"/>
+                    </a:srgbClr>
+                  </a:outerShdw>
+                </a:effectLst>
                 <a:latin typeface="Comic Sans MS" panose="030F0702030302020204" pitchFamily="66" charset="0"/>
               </a:rPr>
               <a:t>программист</a:t>
             </a:r>
             <a:r>
-              <a:rPr lang="en-US" dirty="0" smtClean="0">
+              <a:rPr lang="en-US">
                 <a:solidFill>
-                  <a:schemeClr val="accent4">
-                    <a:lumMod val="60000"/>
-                    <a:lumOff val="40000"/>
+                  <a:schemeClr val="bg1">
+                    <a:lumMod val="95000"/>
                   </a:schemeClr>
                 </a:solidFill>
+                <a:effectLst>
+                  <a:outerShdw blurRad="38100" dist="38100" dir="2700000" algn="tl">
+                    <a:srgbClr val="000000">
+                      <a:alpha val="43137"/>
+                    </a:srgbClr>
+                  </a:outerShdw>
+                </a:effectLst>
                 <a:latin typeface="Comic Sans MS" panose="030F0702030302020204" pitchFamily="66" charset="0"/>
               </a:rPr>
               <a:t> – </a:t>
             </a:r>
             <a:r>
-              <a:rPr lang="ru-RU" dirty="0" smtClean="0">
+              <a:rPr lang="ru-RU">
                 <a:solidFill>
-                  <a:schemeClr val="accent4">
-                    <a:lumMod val="60000"/>
-                    <a:lumOff val="40000"/>
+                  <a:schemeClr val="bg1">
+                    <a:lumMod val="95000"/>
                   </a:schemeClr>
                 </a:solidFill>
+                <a:effectLst>
+                  <a:outerShdw blurRad="38100" dist="38100" dir="2700000" algn="tl">
+                    <a:srgbClr val="000000">
+                      <a:alpha val="43137"/>
+                    </a:srgbClr>
+                  </a:outerShdw>
+                </a:effectLst>
                 <a:latin typeface="Comic Sans MS" panose="030F0702030302020204" pitchFamily="66" charset="0"/>
               </a:rPr>
-              <a:t>это верстальщик </a:t>
-            </a:r>
-            <a:r>
-              <a:rPr lang="ru-RU" dirty="0">
+              <a:t>это верстальщик и программист, художник и инженер в одном лице.</a:t>
+            </a:r>
+            <a:r>
+              <a:rPr lang="en-US">
                 <a:solidFill>
-                  <a:schemeClr val="accent4">
-                    <a:lumMod val="60000"/>
-                    <a:lumOff val="40000"/>
+                  <a:schemeClr val="bg1">
+                    <a:lumMod val="95000"/>
                   </a:schemeClr>
                 </a:solidFill>
-                <a:latin typeface="Comic Sans MS" panose="030F0702030302020204" pitchFamily="66" charset="0"/>
-              </a:rPr>
-              <a:t>и программист, художник и инженер в одном лице</a:t>
-            </a:r>
-            <a:r>
-              <a:rPr lang="ru-RU" dirty="0" smtClean="0">
-                <a:solidFill>
-                  <a:schemeClr val="accent4">
-                    <a:lumMod val="60000"/>
-                    <a:lumOff val="40000"/>
-                  </a:schemeClr>
-                </a:solidFill>
-                <a:latin typeface="Comic Sans MS" panose="030F0702030302020204" pitchFamily="66" charset="0"/>
-              </a:rPr>
-              <a:t>.</a:t>
-            </a:r>
-            <a:r>
-              <a:rPr lang="en-US" dirty="0" smtClean="0">
-                <a:solidFill>
-                  <a:schemeClr val="accent4">
-                    <a:lumMod val="60000"/>
-                    <a:lumOff val="40000"/>
-                  </a:schemeClr>
-                </a:solidFill>
+                <a:effectLst>
+                  <a:outerShdw blurRad="38100" dist="38100" dir="2700000" algn="tl">
+                    <a:srgbClr val="000000">
+                      <a:alpha val="43137"/>
+                    </a:srgbClr>
+                  </a:outerShdw>
+                </a:effectLst>
                 <a:latin typeface="Comic Sans MS" panose="030F0702030302020204" pitchFamily="66" charset="0"/>
               </a:rPr>
               <a:t> </a:t>
             </a:r>
           </a:p>
           <a:p>
-            <a:r>
-              <a:rPr lang="ru-RU" dirty="0" err="1" smtClean="0">
+            <a:pPr algn="just"/>
+            <a:r>
+              <a:rPr lang="ru-RU">
                 <a:solidFill>
-                  <a:schemeClr val="accent4">
-                    <a:lumMod val="60000"/>
-                    <a:lumOff val="40000"/>
+                  <a:schemeClr val="bg1">
+                    <a:lumMod val="95000"/>
                   </a:schemeClr>
                 </a:solidFill>
+                <a:effectLst>
+                  <a:outerShdw blurRad="38100" dist="38100" dir="2700000" algn="tl">
+                    <a:srgbClr val="000000">
+                      <a:alpha val="43137"/>
+                    </a:srgbClr>
+                  </a:outerShdw>
+                </a:effectLst>
                 <a:latin typeface="Comic Sans MS" panose="030F0702030302020204" pitchFamily="66" charset="0"/>
               </a:rPr>
-              <a:t>Фронтэндом</a:t>
-            </a:r>
-            <a:r>
-              <a:rPr lang="ru-RU" dirty="0">
+              <a:t>Фронтэндом называют всю клиентскую  часть сайтов/приложений: интерфейсы, шаблоны, стили, виджеты и т. д. Соответственно, всё, что происходит на стороне сервера — бекэнд.</a:t>
+            </a:r>
+            <a:endParaRPr lang="en-US">
+              <a:solidFill>
+                <a:schemeClr val="bg1">
+                  <a:lumMod val="95000"/>
+                </a:schemeClr>
+              </a:solidFill>
+              <a:effectLst>
+                <a:outerShdw blurRad="38100" dist="38100" dir="2700000" algn="tl">
+                  <a:srgbClr val="000000">
+                    <a:alpha val="43137"/>
+                  </a:srgbClr>
+                </a:outerShdw>
+              </a:effectLst>
+              <a:latin typeface="Comic Sans MS" panose="030F0702030302020204" pitchFamily="66" charset="0"/>
+            </a:endParaRPr>
+          </a:p>
+          <a:p>
+            <a:pPr algn="just"/>
+            <a:r>
+              <a:rPr lang="ru-RU">
                 <a:solidFill>
-                  <a:schemeClr val="accent4">
-                    <a:lumMod val="60000"/>
-                    <a:lumOff val="40000"/>
+                  <a:schemeClr val="bg1">
+                    <a:lumMod val="95000"/>
                   </a:schemeClr>
                 </a:solidFill>
+                <a:effectLst>
+                  <a:outerShdw blurRad="38100" dist="38100" dir="2700000" algn="tl">
+                    <a:srgbClr val="000000">
+                      <a:alpha val="43137"/>
+                    </a:srgbClr>
+                  </a:outerShdw>
+                </a:effectLst>
                 <a:latin typeface="Comic Sans MS" panose="030F0702030302020204" pitchFamily="66" charset="0"/>
               </a:rPr>
-              <a:t> называют всю клиентскую </a:t>
-            </a:r>
-            <a:r>
-              <a:rPr lang="ru-RU" dirty="0" smtClean="0">
-                <a:solidFill>
-                  <a:schemeClr val="accent4">
-                    <a:lumMod val="60000"/>
-                    <a:lumOff val="40000"/>
-                  </a:schemeClr>
-                </a:solidFill>
-                <a:latin typeface="Comic Sans MS" panose="030F0702030302020204" pitchFamily="66" charset="0"/>
-              </a:rPr>
-              <a:t> </a:t>
-            </a:r>
-            <a:r>
-              <a:rPr lang="ru-RU" dirty="0">
-                <a:solidFill>
-                  <a:schemeClr val="accent4">
-                    <a:lumMod val="60000"/>
-                    <a:lumOff val="40000"/>
-                  </a:schemeClr>
-                </a:solidFill>
-                <a:latin typeface="Comic Sans MS" panose="030F0702030302020204" pitchFamily="66" charset="0"/>
-              </a:rPr>
-              <a:t>часть </a:t>
-            </a:r>
-            <a:r>
-              <a:rPr lang="ru-RU" dirty="0" smtClean="0">
-                <a:solidFill>
-                  <a:schemeClr val="accent4">
-                    <a:lumMod val="60000"/>
-                    <a:lumOff val="40000"/>
-                  </a:schemeClr>
-                </a:solidFill>
-                <a:latin typeface="Comic Sans MS" panose="030F0702030302020204" pitchFamily="66" charset="0"/>
-              </a:rPr>
-              <a:t>сайтов/приложений</a:t>
-            </a:r>
-            <a:r>
-              <a:rPr lang="ru-RU" dirty="0">
-                <a:solidFill>
-                  <a:schemeClr val="accent4">
-                    <a:lumMod val="60000"/>
-                    <a:lumOff val="40000"/>
-                  </a:schemeClr>
-                </a:solidFill>
-                <a:latin typeface="Comic Sans MS" panose="030F0702030302020204" pitchFamily="66" charset="0"/>
-              </a:rPr>
-              <a:t>: интерфейсы, шаблоны, стили, </a:t>
-            </a:r>
-            <a:r>
-              <a:rPr lang="ru-RU" dirty="0" err="1">
-                <a:solidFill>
-                  <a:schemeClr val="accent4">
-                    <a:lumMod val="60000"/>
-                    <a:lumOff val="40000"/>
-                  </a:schemeClr>
-                </a:solidFill>
-                <a:latin typeface="Comic Sans MS" panose="030F0702030302020204" pitchFamily="66" charset="0"/>
-              </a:rPr>
-              <a:t>виджеты</a:t>
-            </a:r>
-            <a:r>
-              <a:rPr lang="ru-RU" dirty="0">
-                <a:solidFill>
-                  <a:schemeClr val="accent4">
-                    <a:lumMod val="60000"/>
-                    <a:lumOff val="40000"/>
-                  </a:schemeClr>
-                </a:solidFill>
-                <a:latin typeface="Comic Sans MS" panose="030F0702030302020204" pitchFamily="66" charset="0"/>
-              </a:rPr>
-              <a:t> и т. д. Соответственно, всё, что происходит на стороне сервера — </a:t>
-            </a:r>
-            <a:r>
-              <a:rPr lang="ru-RU" dirty="0" err="1">
-                <a:solidFill>
-                  <a:schemeClr val="accent4">
-                    <a:lumMod val="60000"/>
-                    <a:lumOff val="40000"/>
-                  </a:schemeClr>
-                </a:solidFill>
-                <a:latin typeface="Comic Sans MS" panose="030F0702030302020204" pitchFamily="66" charset="0"/>
-              </a:rPr>
-              <a:t>бекэнд</a:t>
-            </a:r>
-            <a:r>
-              <a:rPr lang="ru-RU" dirty="0" smtClean="0">
-                <a:solidFill>
-                  <a:schemeClr val="accent4">
-                    <a:lumMod val="60000"/>
-                    <a:lumOff val="40000"/>
-                  </a:schemeClr>
-                </a:solidFill>
-                <a:latin typeface="Comic Sans MS" panose="030F0702030302020204" pitchFamily="66" charset="0"/>
-              </a:rPr>
-              <a:t>.</a:t>
-            </a:r>
-            <a:endParaRPr lang="en-US" dirty="0" smtClean="0">
+              <a:t>Фронтэнд-разработчик следит за качеством клиентского кода в своей команде, бьет по рукам нерадивых верстальщиков и щелкает по носу витающих в своих мечтах дизайнеров. Одна из основных задач фронтэнд-разработчика — это, конечно, разработка на JavaScript, начиная от мини-плагинов для галереи, заканчивая полноценными веб-сервисами. Здесь вновь стоит упомянуть Node.js, в последние годы играющий огромную роль как в разработке клиентской части веб-приложений, так и серверной. Сотни клиентских фреймворков и библиотек, таких как, jQuery, Angular, Backbone, Knockout, Ember и др. — бескрайний простор для развития техник построения архитектуры приложений, улучшения качества и расширения спектра решаемых приложениями задач.</a:t>
+            </a:r>
+            <a:endParaRPr lang="ru-RU" dirty="0">
               <a:solidFill>
-                <a:schemeClr val="accent4">
-                  <a:lumMod val="60000"/>
-                  <a:lumOff val="40000"/>
+                <a:schemeClr val="bg1">
+                  <a:lumMod val="95000"/>
                 </a:schemeClr>
               </a:solidFill>
+              <a:effectLst>
+                <a:outerShdw blurRad="38100" dist="38100" dir="2700000" algn="tl">
+                  <a:srgbClr val="000000">
+                    <a:alpha val="43137"/>
+                  </a:srgbClr>
+                </a:outerShdw>
+              </a:effectLst>
               <a:latin typeface="Comic Sans MS" panose="030F0702030302020204" pitchFamily="66" charset="0"/>
             </a:endParaRPr>
-          </a:p>
-          <a:p>
-            <a:r>
-              <a:rPr lang="ru-RU" dirty="0" err="1">
-                <a:solidFill>
-                  <a:schemeClr val="accent4">
-                    <a:lumMod val="60000"/>
-                    <a:lumOff val="40000"/>
-                  </a:schemeClr>
-                </a:solidFill>
-                <a:latin typeface="Comic Sans MS" panose="030F0702030302020204" pitchFamily="66" charset="0"/>
-              </a:rPr>
-              <a:t>Фронтэнд</a:t>
-            </a:r>
-            <a:r>
-              <a:rPr lang="ru-RU" dirty="0">
-                <a:solidFill>
-                  <a:schemeClr val="accent4">
-                    <a:lumMod val="60000"/>
-                    <a:lumOff val="40000"/>
-                  </a:schemeClr>
-                </a:solidFill>
-                <a:latin typeface="Comic Sans MS" panose="030F0702030302020204" pitchFamily="66" charset="0"/>
-              </a:rPr>
-              <a:t>-разработчик следит за качеством клиентского кода в своей команде, бьет по рукам нерадивых верстальщиков и щелкает по носу витающих в своих мечтах дизайнеров</a:t>
-            </a:r>
-            <a:r>
-              <a:rPr lang="ru-RU" dirty="0" smtClean="0">
-                <a:solidFill>
-                  <a:schemeClr val="accent4">
-                    <a:lumMod val="60000"/>
-                    <a:lumOff val="40000"/>
-                  </a:schemeClr>
-                </a:solidFill>
-                <a:latin typeface="Comic Sans MS" panose="030F0702030302020204" pitchFamily="66" charset="0"/>
-              </a:rPr>
-              <a:t>.</a:t>
-            </a:r>
-            <a:r>
-              <a:rPr lang="ru-RU" dirty="0">
-                <a:solidFill>
-                  <a:schemeClr val="accent4">
-                    <a:lumMod val="60000"/>
-                    <a:lumOff val="40000"/>
-                  </a:schemeClr>
-                </a:solidFill>
-                <a:latin typeface="Comic Sans MS" panose="030F0702030302020204" pitchFamily="66" charset="0"/>
-              </a:rPr>
-              <a:t> Одна из основных задач </a:t>
-            </a:r>
-            <a:r>
-              <a:rPr lang="ru-RU" dirty="0" err="1">
-                <a:solidFill>
-                  <a:schemeClr val="accent4">
-                    <a:lumMod val="60000"/>
-                    <a:lumOff val="40000"/>
-                  </a:schemeClr>
-                </a:solidFill>
-                <a:latin typeface="Comic Sans MS" panose="030F0702030302020204" pitchFamily="66" charset="0"/>
-              </a:rPr>
-              <a:t>фронтэнд</a:t>
-            </a:r>
-            <a:r>
-              <a:rPr lang="ru-RU" dirty="0">
-                <a:solidFill>
-                  <a:schemeClr val="accent4">
-                    <a:lumMod val="60000"/>
-                    <a:lumOff val="40000"/>
-                  </a:schemeClr>
-                </a:solidFill>
-                <a:latin typeface="Comic Sans MS" panose="030F0702030302020204" pitchFamily="66" charset="0"/>
-              </a:rPr>
-              <a:t>-разработчика — это, конечно, разработка на </a:t>
-            </a:r>
-            <a:r>
-              <a:rPr lang="ru-RU" dirty="0" err="1">
-                <a:solidFill>
-                  <a:schemeClr val="accent4">
-                    <a:lumMod val="60000"/>
-                    <a:lumOff val="40000"/>
-                  </a:schemeClr>
-                </a:solidFill>
-                <a:latin typeface="Comic Sans MS" panose="030F0702030302020204" pitchFamily="66" charset="0"/>
-              </a:rPr>
-              <a:t>JavaScript</a:t>
-            </a:r>
-            <a:r>
-              <a:rPr lang="ru-RU" dirty="0">
-                <a:solidFill>
-                  <a:schemeClr val="accent4">
-                    <a:lumMod val="60000"/>
-                    <a:lumOff val="40000"/>
-                  </a:schemeClr>
-                </a:solidFill>
-                <a:latin typeface="Comic Sans MS" panose="030F0702030302020204" pitchFamily="66" charset="0"/>
-              </a:rPr>
-              <a:t>, начиная от мини-плагинов для галереи, заканчивая полноценными веб-сервисами. Здесь вновь стоит упомянуть Node.js, в последние годы играющий огромную роль как в разработке клиентской части веб-приложений, так и серверной. Сотни клиентских </a:t>
-            </a:r>
-            <a:r>
-              <a:rPr lang="ru-RU" dirty="0" err="1">
-                <a:solidFill>
-                  <a:schemeClr val="accent4">
-                    <a:lumMod val="60000"/>
-                    <a:lumOff val="40000"/>
-                  </a:schemeClr>
-                </a:solidFill>
-                <a:latin typeface="Comic Sans MS" panose="030F0702030302020204" pitchFamily="66" charset="0"/>
-              </a:rPr>
-              <a:t>фреймворков</a:t>
-            </a:r>
-            <a:r>
-              <a:rPr lang="ru-RU" dirty="0">
-                <a:solidFill>
-                  <a:schemeClr val="accent4">
-                    <a:lumMod val="60000"/>
-                    <a:lumOff val="40000"/>
-                  </a:schemeClr>
-                </a:solidFill>
-                <a:latin typeface="Comic Sans MS" panose="030F0702030302020204" pitchFamily="66" charset="0"/>
-              </a:rPr>
-              <a:t> и библиотек, таких как, </a:t>
-            </a:r>
-            <a:r>
-              <a:rPr lang="ru-RU" dirty="0" err="1">
-                <a:solidFill>
-                  <a:schemeClr val="accent4">
-                    <a:lumMod val="60000"/>
-                    <a:lumOff val="40000"/>
-                  </a:schemeClr>
-                </a:solidFill>
-                <a:latin typeface="Comic Sans MS" panose="030F0702030302020204" pitchFamily="66" charset="0"/>
-              </a:rPr>
-              <a:t>jQuery</a:t>
-            </a:r>
-            <a:r>
-              <a:rPr lang="ru-RU" dirty="0">
-                <a:solidFill>
-                  <a:schemeClr val="accent4">
-                    <a:lumMod val="60000"/>
-                    <a:lumOff val="40000"/>
-                  </a:schemeClr>
-                </a:solidFill>
-                <a:latin typeface="Comic Sans MS" panose="030F0702030302020204" pitchFamily="66" charset="0"/>
-              </a:rPr>
-              <a:t>, </a:t>
-            </a:r>
-            <a:r>
-              <a:rPr lang="ru-RU" dirty="0" err="1">
-                <a:solidFill>
-                  <a:schemeClr val="accent4">
-                    <a:lumMod val="60000"/>
-                    <a:lumOff val="40000"/>
-                  </a:schemeClr>
-                </a:solidFill>
-                <a:latin typeface="Comic Sans MS" panose="030F0702030302020204" pitchFamily="66" charset="0"/>
-              </a:rPr>
-              <a:t>Angular</a:t>
-            </a:r>
-            <a:r>
-              <a:rPr lang="ru-RU" dirty="0">
-                <a:solidFill>
-                  <a:schemeClr val="accent4">
-                    <a:lumMod val="60000"/>
-                    <a:lumOff val="40000"/>
-                  </a:schemeClr>
-                </a:solidFill>
-                <a:latin typeface="Comic Sans MS" panose="030F0702030302020204" pitchFamily="66" charset="0"/>
-              </a:rPr>
-              <a:t>, </a:t>
-            </a:r>
-            <a:r>
-              <a:rPr lang="ru-RU" dirty="0" err="1">
-                <a:solidFill>
-                  <a:schemeClr val="accent4">
-                    <a:lumMod val="60000"/>
-                    <a:lumOff val="40000"/>
-                  </a:schemeClr>
-                </a:solidFill>
-                <a:latin typeface="Comic Sans MS" panose="030F0702030302020204" pitchFamily="66" charset="0"/>
-              </a:rPr>
-              <a:t>Backbone</a:t>
-            </a:r>
-            <a:r>
-              <a:rPr lang="ru-RU" dirty="0">
-                <a:solidFill>
-                  <a:schemeClr val="accent4">
-                    <a:lumMod val="60000"/>
-                    <a:lumOff val="40000"/>
-                  </a:schemeClr>
-                </a:solidFill>
-                <a:latin typeface="Comic Sans MS" panose="030F0702030302020204" pitchFamily="66" charset="0"/>
-              </a:rPr>
-              <a:t>, </a:t>
-            </a:r>
-            <a:r>
-              <a:rPr lang="ru-RU" dirty="0" err="1">
-                <a:solidFill>
-                  <a:schemeClr val="accent4">
-                    <a:lumMod val="60000"/>
-                    <a:lumOff val="40000"/>
-                  </a:schemeClr>
-                </a:solidFill>
-                <a:latin typeface="Comic Sans MS" panose="030F0702030302020204" pitchFamily="66" charset="0"/>
-              </a:rPr>
-              <a:t>Knockout</a:t>
-            </a:r>
-            <a:r>
-              <a:rPr lang="ru-RU" dirty="0">
-                <a:solidFill>
-                  <a:schemeClr val="accent4">
-                    <a:lumMod val="60000"/>
-                    <a:lumOff val="40000"/>
-                  </a:schemeClr>
-                </a:solidFill>
-                <a:latin typeface="Comic Sans MS" panose="030F0702030302020204" pitchFamily="66" charset="0"/>
-              </a:rPr>
-              <a:t>, </a:t>
-            </a:r>
-            <a:r>
-              <a:rPr lang="ru-RU" dirty="0" err="1">
-                <a:solidFill>
-                  <a:schemeClr val="accent4">
-                    <a:lumMod val="60000"/>
-                    <a:lumOff val="40000"/>
-                  </a:schemeClr>
-                </a:solidFill>
-                <a:latin typeface="Comic Sans MS" panose="030F0702030302020204" pitchFamily="66" charset="0"/>
-              </a:rPr>
-              <a:t>Ember</a:t>
-            </a:r>
-            <a:r>
-              <a:rPr lang="ru-RU" dirty="0">
-                <a:solidFill>
-                  <a:schemeClr val="accent4">
-                    <a:lumMod val="60000"/>
-                    <a:lumOff val="40000"/>
-                  </a:schemeClr>
-                </a:solidFill>
-                <a:latin typeface="Comic Sans MS" panose="030F0702030302020204" pitchFamily="66" charset="0"/>
-              </a:rPr>
-              <a:t> и др. — бескрайний простор для развития техник построения архитектуры приложений, улучшения качества и расширения спектра решаемых приложениями задач.</a:t>
-            </a:r>
           </a:p>
         </p:txBody>
       </p:sp>
@@ -5048,9 +5667,136 @@
   <p:timing>
     <p:tnLst>
       <p:par>
-        <p:cTn id="1" dur="indefinite" restart="never" nodeType="tmRoot"/>
+        <p:cTn id="1" dur="indefinite" restart="never" nodeType="tmRoot">
+          <p:childTnLst>
+            <p:seq concurrent="1" nextAc="seek">
+              <p:cTn id="2" dur="indefinite" nodeType="mainSeq">
+                <p:childTnLst>
+                  <p:par>
+                    <p:cTn id="3" fill="hold">
+                      <p:stCondLst>
+                        <p:cond delay="indefinite"/>
+                        <p:cond evt="onBegin" delay="0">
+                          <p:tn val="2"/>
+                        </p:cond>
+                      </p:stCondLst>
+                      <p:childTnLst>
+                        <p:par>
+                          <p:cTn id="4" fill="hold">
+                            <p:stCondLst>
+                              <p:cond delay="0"/>
+                            </p:stCondLst>
+                            <p:childTnLst>
+                              <p:par>
+                                <p:cTn id="5" presetID="10" presetClass="entr" presetSubtype="0" fill="hold" grpId="0" nodeType="afterEffect">
+                                  <p:stCondLst>
+                                    <p:cond delay="200"/>
+                                  </p:stCondLst>
+                                  <p:childTnLst>
+                                    <p:set>
+                                      <p:cBhvr>
+                                        <p:cTn id="6" dur="1" fill="hold">
+                                          <p:stCondLst>
+                                            <p:cond delay="0"/>
+                                          </p:stCondLst>
+                                        </p:cTn>
+                                        <p:tgtEl>
+                                          <p:spTgt spid="5"/>
+                                        </p:tgtEl>
+                                        <p:attrNameLst>
+                                          <p:attrName>style.visibility</p:attrName>
+                                        </p:attrNameLst>
+                                      </p:cBhvr>
+                                      <p:to>
+                                        <p:strVal val="visible"/>
+                                      </p:to>
+                                    </p:set>
+                                    <p:animEffect transition="in" filter="fade">
+                                      <p:cBhvr>
+                                        <p:cTn id="7" dur="500"/>
+                                        <p:tgtEl>
+                                          <p:spTgt spid="5"/>
+                                        </p:tgtEl>
+                                      </p:cBhvr>
+                                    </p:animEffect>
+                                  </p:childTnLst>
+                                </p:cTn>
+                              </p:par>
+                            </p:childTnLst>
+                          </p:cTn>
+                        </p:par>
+                        <p:par>
+                          <p:cTn id="8" fill="hold">
+                            <p:stCondLst>
+                              <p:cond delay="700"/>
+                            </p:stCondLst>
+                            <p:childTnLst>
+                              <p:par>
+                                <p:cTn id="9" presetID="10" presetClass="entr" presetSubtype="0" fill="hold" grpId="0" nodeType="afterEffect">
+                                  <p:stCondLst>
+                                    <p:cond delay="200"/>
+                                  </p:stCondLst>
+                                  <p:childTnLst>
+                                    <p:set>
+                                      <p:cBhvr>
+                                        <p:cTn id="10" dur="1" fill="hold">
+                                          <p:stCondLst>
+                                            <p:cond delay="0"/>
+                                          </p:stCondLst>
+                                        </p:cTn>
+                                        <p:tgtEl>
+                                          <p:spTgt spid="6"/>
+                                        </p:tgtEl>
+                                        <p:attrNameLst>
+                                          <p:attrName>style.visibility</p:attrName>
+                                        </p:attrNameLst>
+                                      </p:cBhvr>
+                                      <p:to>
+                                        <p:strVal val="visible"/>
+                                      </p:to>
+                                    </p:set>
+                                    <p:animEffect transition="in" filter="fade">
+                                      <p:cBhvr>
+                                        <p:cTn id="11" dur="500"/>
+                                        <p:tgtEl>
+                                          <p:spTgt spid="6"/>
+                                        </p:tgtEl>
+                                      </p:cBhvr>
+                                    </p:animEffect>
+                                  </p:childTnLst>
+                                </p:cTn>
+                              </p:par>
+                            </p:childTnLst>
+                          </p:cTn>
+                        </p:par>
+                      </p:childTnLst>
+                    </p:cTn>
+                  </p:par>
+                </p:childTnLst>
+              </p:cTn>
+              <p:prevCondLst>
+                <p:cond evt="onPrev" delay="0">
+                  <p:tgtEl>
+                    <p:sldTgt/>
+                  </p:tgtEl>
+                </p:cond>
+              </p:prevCondLst>
+              <p:nextCondLst>
+                <p:cond evt="onNext" delay="0">
+                  <p:tgtEl>
+                    <p:sldTgt/>
+                  </p:tgtEl>
+                </p:cond>
+              </p:nextCondLst>
+            </p:seq>
+          </p:childTnLst>
+        </p:cTn>
       </p:par>
     </p:tnLst>
+    <p:bldLst>
+      <p:bldP spid="5" grpId="0" animBg="1"/>
+      <p:bldP spid="6" grpId="0" animBg="1"/>
+    </p:bldLst>
   </p:timing>
 </p:sld>
 </file>
@@ -5310,7 +6056,7 @@
   <a:extraClrSchemeLst/>
   <a:extLst>
     <a:ext uri="{05A4C25C-085E-4340-85A3-A5531E510DB2}">
-      <thm15:themeFamily xmlns:thm15="http://schemas.microsoft.com/office/thememl/2012/main" name="Office Theme" id="{62F939B6-93AF-4DB8-9C6B-D6C7DFDC589F}" vid="{4A3C46E8-61CC-4603-A589-7422A47A8E4A}"/>
+      <thm15:themeFamily xmlns:thm15="http://schemas.microsoft.com/office/thememl/2012/main" xmlns="" name="Office Theme" id="{62F939B6-93AF-4DB8-9C6B-D6C7DFDC589F}" vid="{4A3C46E8-61CC-4603-A589-7422A47A8E4A}"/>
     </a:ext>
   </a:extLst>
 </a:theme>
